--- a/AI-Project.pptx
+++ b/AI-Project.pptx
@@ -13,33 +13,33 @@
   <p:sldIdLst>
     <p:sldId id="278" r:id="rId5"/>
     <p:sldId id="284" r:id="rId6"/>
-    <p:sldId id="297" r:id="rId7"/>
-    <p:sldId id="282" r:id="rId8"/>
-    <p:sldId id="283" r:id="rId9"/>
-    <p:sldId id="298" r:id="rId10"/>
-    <p:sldId id="293" r:id="rId11"/>
-    <p:sldId id="296" r:id="rId12"/>
-    <p:sldId id="310" r:id="rId13"/>
-    <p:sldId id="311" r:id="rId14"/>
-    <p:sldId id="308" r:id="rId15"/>
-    <p:sldId id="316" r:id="rId16"/>
-    <p:sldId id="315" r:id="rId17"/>
-    <p:sldId id="325" r:id="rId18"/>
-    <p:sldId id="324" r:id="rId19"/>
-    <p:sldId id="312" r:id="rId20"/>
-    <p:sldId id="317" r:id="rId21"/>
-    <p:sldId id="313" r:id="rId22"/>
-    <p:sldId id="318" r:id="rId23"/>
-    <p:sldId id="314" r:id="rId24"/>
-    <p:sldId id="329" r:id="rId25"/>
-    <p:sldId id="330" r:id="rId26"/>
-    <p:sldId id="319" r:id="rId27"/>
-    <p:sldId id="321" r:id="rId28"/>
-    <p:sldId id="285" r:id="rId29"/>
-    <p:sldId id="322" r:id="rId30"/>
-    <p:sldId id="327" r:id="rId31"/>
-    <p:sldId id="320" r:id="rId32"/>
-    <p:sldId id="303" r:id="rId33"/>
+    <p:sldId id="331" r:id="rId7"/>
+    <p:sldId id="297" r:id="rId8"/>
+    <p:sldId id="282" r:id="rId9"/>
+    <p:sldId id="283" r:id="rId10"/>
+    <p:sldId id="298" r:id="rId11"/>
+    <p:sldId id="293" r:id="rId12"/>
+    <p:sldId id="296" r:id="rId13"/>
+    <p:sldId id="310" r:id="rId14"/>
+    <p:sldId id="311" r:id="rId15"/>
+    <p:sldId id="308" r:id="rId16"/>
+    <p:sldId id="316" r:id="rId17"/>
+    <p:sldId id="315" r:id="rId18"/>
+    <p:sldId id="325" r:id="rId19"/>
+    <p:sldId id="324" r:id="rId20"/>
+    <p:sldId id="312" r:id="rId21"/>
+    <p:sldId id="317" r:id="rId22"/>
+    <p:sldId id="313" r:id="rId23"/>
+    <p:sldId id="318" r:id="rId24"/>
+    <p:sldId id="314" r:id="rId25"/>
+    <p:sldId id="329" r:id="rId26"/>
+    <p:sldId id="330" r:id="rId27"/>
+    <p:sldId id="319" r:id="rId28"/>
+    <p:sldId id="321" r:id="rId29"/>
+    <p:sldId id="285" r:id="rId30"/>
+    <p:sldId id="322" r:id="rId31"/>
+    <p:sldId id="327" r:id="rId32"/>
+    <p:sldId id="320" r:id="rId33"/>
     <p:sldId id="292" r:id="rId34"/>
   </p:sldIdLst>
   <p:sldSz cx="12192000" cy="6858000"/>
@@ -164,9 +164,7 @@
 <file path=ppt/revisionInfo.xml><?xml version="1.0" encoding="utf-8"?>
 <p1510:revInfo xmlns:a="http://schemas.openxmlformats.org/drawingml/2006/main" xmlns:r="http://schemas.openxmlformats.org/officeDocument/2006/relationships" xmlns:p1510="http://schemas.microsoft.com/office/powerpoint/2015/10/main">
   <p1510:revLst>
-    <p1510:client id="{61D9205E-F0B8-E952-35A9-DB28D7437DF8}" v="186" dt="2025-03-26T13:24:33.767"/>
-    <p1510:client id="{81ED4F0E-02A7-97D8-AD0A-02EEEF3ACCCE}" v="520" dt="2025-03-26T14:14:33.451"/>
-    <p1510:client id="{93DBA2BA-1CB1-126C-A2D9-1EC0CEDB470E}" v="352" dt="2025-03-26T12:34:49.508"/>
+    <p1510:client id="{8326F126-0575-6D90-1CC0-641A17154F33}" v="220" dt="2025-03-30T14:32:02.653"/>
   </p1510:revLst>
 </p1510:revInfo>
 </file>
@@ -485,6 +483,115 @@
             <ac:spMk id="2" creationId="{CAE3409F-CF9F-B273-7D9E-198D86159E82}"/>
           </ac:spMkLst>
         </pc:spChg>
+      </pc:sldChg>
+    </pc:docChg>
+  </pc:docChgLst>
+  <pc:docChgLst>
+    <pc:chgData name="NABRAJ GYAWALI" userId="S::luc14122714892022@kfaltd.com::56f3798b-8e18-4e1d-b42f-efdbc4067fc7" providerId="AD" clId="Web-{8326F126-0575-6D90-1CC0-641A17154F33}"/>
+    <pc:docChg chg="addSld delSld modSld">
+      <pc:chgData name="NABRAJ GYAWALI" userId="S::luc14122714892022@kfaltd.com::56f3798b-8e18-4e1d-b42f-efdbc4067fc7" providerId="AD" clId="Web-{8326F126-0575-6D90-1CC0-641A17154F33}" dt="2025-03-30T14:32:02.653" v="192"/>
+      <pc:docMkLst>
+        <pc:docMk/>
+      </pc:docMkLst>
+      <pc:sldChg chg="addSp delSp modSp">
+        <pc:chgData name="NABRAJ GYAWALI" userId="S::luc14122714892022@kfaltd.com::56f3798b-8e18-4e1d-b42f-efdbc4067fc7" providerId="AD" clId="Web-{8326F126-0575-6D90-1CC0-641A17154F33}" dt="2025-03-30T11:31:58.160" v="34" actId="1076"/>
+        <pc:sldMkLst>
+          <pc:docMk/>
+          <pc:sldMk cId="652841706" sldId="284"/>
+        </pc:sldMkLst>
+        <pc:spChg chg="mod">
+          <ac:chgData name="NABRAJ GYAWALI" userId="S::luc14122714892022@kfaltd.com::56f3798b-8e18-4e1d-b42f-efdbc4067fc7" providerId="AD" clId="Web-{8326F126-0575-6D90-1CC0-641A17154F33}" dt="2025-03-30T11:29:26.609" v="18" actId="14100"/>
+          <ac:spMkLst>
+            <pc:docMk/>
+            <pc:sldMk cId="652841706" sldId="284"/>
+            <ac:spMk id="2" creationId="{1C72343A-9CB0-F2AD-EF62-5DEE3E97F956}"/>
+          </ac:spMkLst>
+        </pc:spChg>
+        <pc:spChg chg="del mod">
+          <ac:chgData name="NABRAJ GYAWALI" userId="S::luc14122714892022@kfaltd.com::56f3798b-8e18-4e1d-b42f-efdbc4067fc7" providerId="AD" clId="Web-{8326F126-0575-6D90-1CC0-641A17154F33}" dt="2025-03-30T11:29:52.680" v="22"/>
+          <ac:spMkLst>
+            <pc:docMk/>
+            <pc:sldMk cId="652841706" sldId="284"/>
+            <ac:spMk id="3" creationId="{1C6744DD-5BC8-42C8-4313-13CE95ED575B}"/>
+          </ac:spMkLst>
+        </pc:spChg>
+        <pc:picChg chg="add mod ord">
+          <ac:chgData name="NABRAJ GYAWALI" userId="S::luc14122714892022@kfaltd.com::56f3798b-8e18-4e1d-b42f-efdbc4067fc7" providerId="AD" clId="Web-{8326F126-0575-6D90-1CC0-641A17154F33}" dt="2025-03-30T11:30:00.946" v="24" actId="1076"/>
+          <ac:picMkLst>
+            <pc:docMk/>
+            <pc:sldMk cId="652841706" sldId="284"/>
+            <ac:picMk id="4" creationId="{DB5322AF-FCCE-868C-7AA1-5B4624794FF6}"/>
+          </ac:picMkLst>
+        </pc:picChg>
+        <pc:picChg chg="add mod">
+          <ac:chgData name="NABRAJ GYAWALI" userId="S::luc14122714892022@kfaltd.com::56f3798b-8e18-4e1d-b42f-efdbc4067fc7" providerId="AD" clId="Web-{8326F126-0575-6D90-1CC0-641A17154F33}" dt="2025-03-30T11:31:58.160" v="34" actId="1076"/>
+          <ac:picMkLst>
+            <pc:docMk/>
+            <pc:sldMk cId="652841706" sldId="284"/>
+            <ac:picMk id="5" creationId="{EF8CA671-668F-BDC0-2C69-DEAD215EDD1A}"/>
+          </ac:picMkLst>
+        </pc:picChg>
+        <pc:picChg chg="add mod">
+          <ac:chgData name="NABRAJ GYAWALI" userId="S::luc14122714892022@kfaltd.com::56f3798b-8e18-4e1d-b42f-efdbc4067fc7" providerId="AD" clId="Web-{8326F126-0575-6D90-1CC0-641A17154F33}" dt="2025-03-30T11:31:55.660" v="33" actId="1076"/>
+          <ac:picMkLst>
+            <pc:docMk/>
+            <pc:sldMk cId="652841706" sldId="284"/>
+            <ac:picMk id="6" creationId="{4A19E2E8-F716-0075-883C-A070092D035F}"/>
+          </ac:picMkLst>
+        </pc:picChg>
+        <pc:picChg chg="add mod">
+          <ac:chgData name="NABRAJ GYAWALI" userId="S::luc14122714892022@kfaltd.com::56f3798b-8e18-4e1d-b42f-efdbc4067fc7" providerId="AD" clId="Web-{8326F126-0575-6D90-1CC0-641A17154F33}" dt="2025-03-30T11:31:52.660" v="32" actId="1076"/>
+          <ac:picMkLst>
+            <pc:docMk/>
+            <pc:sldMk cId="652841706" sldId="284"/>
+            <ac:picMk id="7" creationId="{939C43EE-850E-4863-8573-9DD35D20032A}"/>
+          </ac:picMkLst>
+        </pc:picChg>
+      </pc:sldChg>
+      <pc:sldChg chg="del">
+        <pc:chgData name="NABRAJ GYAWALI" userId="S::luc14122714892022@kfaltd.com::56f3798b-8e18-4e1d-b42f-efdbc4067fc7" providerId="AD" clId="Web-{8326F126-0575-6D90-1CC0-641A17154F33}" dt="2025-03-30T14:32:02.653" v="192"/>
+        <pc:sldMkLst>
+          <pc:docMk/>
+          <pc:sldMk cId="3200442165" sldId="303"/>
+        </pc:sldMkLst>
+      </pc:sldChg>
+      <pc:sldChg chg="addSp delSp modSp">
+        <pc:chgData name="NABRAJ GYAWALI" userId="S::luc14122714892022@kfaltd.com::56f3798b-8e18-4e1d-b42f-efdbc4067fc7" providerId="AD" clId="Web-{8326F126-0575-6D90-1CC0-641A17154F33}" dt="2025-03-30T11:43:21.729" v="191"/>
+        <pc:sldMkLst>
+          <pc:docMk/>
+          <pc:sldMk cId="2970741575" sldId="322"/>
+        </pc:sldMkLst>
+        <pc:graphicFrameChg chg="add del mod">
+          <ac:chgData name="NABRAJ GYAWALI" userId="S::luc14122714892022@kfaltd.com::56f3798b-8e18-4e1d-b42f-efdbc4067fc7" providerId="AD" clId="Web-{8326F126-0575-6D90-1CC0-641A17154F33}" dt="2025-03-30T11:37:36.729" v="40"/>
+          <ac:graphicFrameMkLst>
+            <pc:docMk/>
+            <pc:sldMk cId="2970741575" sldId="322"/>
+            <ac:graphicFrameMk id="3" creationId="{70FFFCB6-B028-06E7-4055-893D555000DB}"/>
+          </ac:graphicFrameMkLst>
+        </pc:graphicFrameChg>
+        <pc:graphicFrameChg chg="mod modGraphic">
+          <ac:chgData name="NABRAJ GYAWALI" userId="S::luc14122714892022@kfaltd.com::56f3798b-8e18-4e1d-b42f-efdbc4067fc7" providerId="AD" clId="Web-{8326F126-0575-6D90-1CC0-641A17154F33}" dt="2025-03-30T11:43:21.729" v="191"/>
+          <ac:graphicFrameMkLst>
+            <pc:docMk/>
+            <pc:sldMk cId="2970741575" sldId="322"/>
+            <ac:graphicFrameMk id="5" creationId="{E65B0698-6ABD-61CE-64D7-2F247D5EE646}"/>
+          </ac:graphicFrameMkLst>
+        </pc:graphicFrameChg>
+        <pc:graphicFrameChg chg="add del mod">
+          <ac:chgData name="NABRAJ GYAWALI" userId="S::luc14122714892022@kfaltd.com::56f3798b-8e18-4e1d-b42f-efdbc4067fc7" providerId="AD" clId="Web-{8326F126-0575-6D90-1CC0-641A17154F33}" dt="2025-03-30T11:38:47.516" v="56"/>
+          <ac:graphicFrameMkLst>
+            <pc:docMk/>
+            <pc:sldMk cId="2970741575" sldId="322"/>
+            <ac:graphicFrameMk id="6" creationId="{0DDA37DB-AEE4-3D02-81C9-D65CBDEA5A1B}"/>
+          </ac:graphicFrameMkLst>
+        </pc:graphicFrameChg>
+      </pc:sldChg>
+      <pc:sldChg chg="add replId">
+        <pc:chgData name="NABRAJ GYAWALI" userId="S::luc14122714892022@kfaltd.com::56f3798b-8e18-4e1d-b42f-efdbc4067fc7" providerId="AD" clId="Web-{8326F126-0575-6D90-1CC0-641A17154F33}" dt="2025-03-30T11:28:47.418" v="0"/>
+        <pc:sldMkLst>
+          <pc:docMk/>
+          <pc:sldMk cId="1733219521" sldId="331"/>
+        </pc:sldMkLst>
       </pc:sldChg>
     </pc:docChg>
   </pc:docChgLst>
@@ -1528,7 +1635,7 @@
           <a:p>
             <a:fld id="{717BC71B-6527-4638-937B-C93EB849CB02}" type="datetimeFigureOut">
               <a:rPr lang="en-US" smtClean="0"/>
-              <a:t>3/26/2025</a:t>
+              <a:t>3/30/2025</a:t>
             </a:fld>
             <a:endParaRPr lang="en-US"/>
           </a:p>
@@ -1705,7 +1812,7 @@
           <a:p>
             <a:fld id="{425465A2-8C9C-419F-9FD8-234480873777}" type="datetimeFigureOut">
               <a:rPr lang="en-US" smtClean="0"/>
-              <a:t>3/26/2025</a:t>
+              <a:t>3/30/2025</a:t>
             </a:fld>
             <a:endParaRPr lang="en-US"/>
           </a:p>
@@ -2064,6 +2171,114 @@
         <p:cNvPr id="1" name="">
           <a:extLst>
             <a:ext uri="{FF2B5EF4-FFF2-40B4-BE49-F238E27FC236}">
+              <a16:creationId xmlns:a16="http://schemas.microsoft.com/office/drawing/2014/main" id="{BD5C6E32-FB5C-FC80-0FEA-6D32CDC326FF}"/>
+            </a:ext>
+          </a:extLst>
+        </p:cNvPr>
+        <p:cNvGrpSpPr/>
+        <p:nvPr/>
+      </p:nvGrpSpPr>
+      <p:grpSpPr>
+        <a:xfrm>
+          <a:off x="0" y="0"/>
+          <a:ext cx="0" cy="0"/>
+          <a:chOff x="0" y="0"/>
+          <a:chExt cx="0" cy="0"/>
+        </a:xfrm>
+      </p:grpSpPr>
+      <p:sp>
+        <p:nvSpPr>
+          <p:cNvPr id="2" name="Slide Image Placeholder 1">
+            <a:extLst>
+              <a:ext uri="{FF2B5EF4-FFF2-40B4-BE49-F238E27FC236}">
+                <a16:creationId xmlns:a16="http://schemas.microsoft.com/office/drawing/2014/main" id="{AAF8DF9A-DE31-A365-E708-9CD0CE592632}"/>
+              </a:ext>
+            </a:extLst>
+          </p:cNvPr>
+          <p:cNvSpPr>
+            <a:spLocks noGrp="1" noRot="1" noChangeAspect="1"/>
+          </p:cNvSpPr>
+          <p:nvPr>
+            <p:ph type="sldImg"/>
+          </p:nvPr>
+        </p:nvSpPr>
+        <p:spPr/>
+      </p:sp>
+      <p:sp>
+        <p:nvSpPr>
+          <p:cNvPr id="3" name="Notes Placeholder 2">
+            <a:extLst>
+              <a:ext uri="{FF2B5EF4-FFF2-40B4-BE49-F238E27FC236}">
+                <a16:creationId xmlns:a16="http://schemas.microsoft.com/office/drawing/2014/main" id="{61864B3A-7334-AD45-5295-E0A8E4E65EA4}"/>
+              </a:ext>
+            </a:extLst>
+          </p:cNvPr>
+          <p:cNvSpPr>
+            <a:spLocks noGrp="1"/>
+          </p:cNvSpPr>
+          <p:nvPr>
+            <p:ph type="body" idx="1"/>
+          </p:nvPr>
+        </p:nvSpPr>
+        <p:spPr/>
+        <p:txBody>
+          <a:bodyPr/>
+          <a:lstStyle/>
+          <a:p>
+            <a:endParaRPr lang="en-US"/>
+          </a:p>
+        </p:txBody>
+      </p:sp>
+      <p:sp>
+        <p:nvSpPr>
+          <p:cNvPr id="4" name="Slide Number Placeholder 3">
+            <a:extLst>
+              <a:ext uri="{FF2B5EF4-FFF2-40B4-BE49-F238E27FC236}">
+                <a16:creationId xmlns:a16="http://schemas.microsoft.com/office/drawing/2014/main" id="{917A70BB-74EF-1D97-9C2C-CE8A878E73A3}"/>
+              </a:ext>
+            </a:extLst>
+          </p:cNvPr>
+          <p:cNvSpPr>
+            <a:spLocks noGrp="1"/>
+          </p:cNvSpPr>
+          <p:nvPr>
+            <p:ph type="sldNum" sz="quarter" idx="5"/>
+          </p:nvPr>
+        </p:nvSpPr>
+        <p:spPr/>
+        <p:txBody>
+          <a:bodyPr/>
+          <a:lstStyle/>
+          <a:p>
+            <a:fld id="{E7AF00E9-A49D-4007-B3B9-A3783809E505}" type="slidenum">
+              <a:rPr lang="en-US" smtClean="0"/>
+              <a:t>10</a:t>
+            </a:fld>
+            <a:endParaRPr lang="en-US"/>
+          </a:p>
+        </p:txBody>
+      </p:sp>
+    </p:spTree>
+    <p:extLst>
+      <p:ext uri="{BB962C8B-B14F-4D97-AF65-F5344CB8AC3E}">
+        <p14:creationId xmlns:p14="http://schemas.microsoft.com/office/powerpoint/2010/main" val="3744089743"/>
+      </p:ext>
+    </p:extLst>
+  </p:cSld>
+  <p:clrMapOvr>
+    <a:masterClrMapping/>
+  </p:clrMapOvr>
+</p:notes>
+</file>
+
+<file path=ppt/notesSlides/notesSlide11.xml><?xml version="1.0" encoding="utf-8"?>
+<p:notes xmlns:a="http://schemas.openxmlformats.org/drawingml/2006/main" xmlns:r="http://schemas.openxmlformats.org/officeDocument/2006/relationships" xmlns:p="http://schemas.openxmlformats.org/presentationml/2006/main">
+  <p:cSld>
+    <p:spTree>
+      <p:nvGrpSpPr>
+        <p:cNvPr id="1" name="">
+          <a:extLst>
+            <a:ext uri="{FF2B5EF4-FFF2-40B4-BE49-F238E27FC236}">
               <a16:creationId xmlns:a16="http://schemas.microsoft.com/office/drawing/2014/main" id="{C9DC90B1-3AFA-740A-5FF8-4C22B366403A}"/>
             </a:ext>
           </a:extLst>
@@ -2164,7 +2379,7 @@
 </p:notes>
 </file>
 
-<file path=ppt/notesSlides/notesSlide11.xml><?xml version="1.0" encoding="utf-8"?>
+<file path=ppt/notesSlides/notesSlide12.xml><?xml version="1.0" encoding="utf-8"?>
 <p:notes xmlns:a="http://schemas.openxmlformats.org/drawingml/2006/main" xmlns:r="http://schemas.openxmlformats.org/officeDocument/2006/relationships" xmlns:p="http://schemas.openxmlformats.org/presentationml/2006/main">
   <p:cSld>
     <p:spTree>
@@ -2272,7 +2487,7 @@
 </p:notes>
 </file>
 
-<file path=ppt/notesSlides/notesSlide12.xml><?xml version="1.0" encoding="utf-8"?>
+<file path=ppt/notesSlides/notesSlide13.xml><?xml version="1.0" encoding="utf-8"?>
 <p:notes xmlns:a="http://schemas.openxmlformats.org/drawingml/2006/main" xmlns:r="http://schemas.openxmlformats.org/officeDocument/2006/relationships" xmlns:p="http://schemas.openxmlformats.org/presentationml/2006/main">
   <p:cSld>
     <p:spTree>
@@ -2380,7 +2595,7 @@
 </p:notes>
 </file>
 
-<file path=ppt/notesSlides/notesSlide13.xml><?xml version="1.0" encoding="utf-8"?>
+<file path=ppt/notesSlides/notesSlide14.xml><?xml version="1.0" encoding="utf-8"?>
 <p:notes xmlns:a="http://schemas.openxmlformats.org/drawingml/2006/main" xmlns:r="http://schemas.openxmlformats.org/officeDocument/2006/relationships" xmlns:p="http://schemas.openxmlformats.org/presentationml/2006/main">
   <p:cSld>
     <p:spTree>
@@ -2488,7 +2703,7 @@
 </p:notes>
 </file>
 
-<file path=ppt/notesSlides/notesSlide14.xml><?xml version="1.0" encoding="utf-8"?>
+<file path=ppt/notesSlides/notesSlide15.xml><?xml version="1.0" encoding="utf-8"?>
 <p:notes xmlns:a="http://schemas.openxmlformats.org/drawingml/2006/main" xmlns:r="http://schemas.openxmlformats.org/officeDocument/2006/relationships" xmlns:p="http://schemas.openxmlformats.org/presentationml/2006/main">
   <p:cSld>
     <p:spTree>
@@ -2596,7 +2811,7 @@
 </p:notes>
 </file>
 
-<file path=ppt/notesSlides/notesSlide15.xml><?xml version="1.0" encoding="utf-8"?>
+<file path=ppt/notesSlides/notesSlide16.xml><?xml version="1.0" encoding="utf-8"?>
 <p:notes xmlns:a="http://schemas.openxmlformats.org/drawingml/2006/main" xmlns:r="http://schemas.openxmlformats.org/officeDocument/2006/relationships" xmlns:p="http://schemas.openxmlformats.org/presentationml/2006/main">
   <p:cSld>
     <p:spTree>
@@ -2704,7 +2919,7 @@
 </p:notes>
 </file>
 
-<file path=ppt/notesSlides/notesSlide16.xml><?xml version="1.0" encoding="utf-8"?>
+<file path=ppt/notesSlides/notesSlide17.xml><?xml version="1.0" encoding="utf-8"?>
 <p:notes xmlns:a="http://schemas.openxmlformats.org/drawingml/2006/main" xmlns:r="http://schemas.openxmlformats.org/officeDocument/2006/relationships" xmlns:p="http://schemas.openxmlformats.org/presentationml/2006/main">
   <p:cSld>
     <p:spTree>
@@ -2812,7 +3027,7 @@
 </p:notes>
 </file>
 
-<file path=ppt/notesSlides/notesSlide17.xml><?xml version="1.0" encoding="utf-8"?>
+<file path=ppt/notesSlides/notesSlide18.xml><?xml version="1.0" encoding="utf-8"?>
 <p:notes xmlns:a="http://schemas.openxmlformats.org/drawingml/2006/main" xmlns:r="http://schemas.openxmlformats.org/officeDocument/2006/relationships" xmlns:p="http://schemas.openxmlformats.org/presentationml/2006/main">
   <p:cSld>
     <p:spTree>
@@ -2920,7 +3135,7 @@
 </p:notes>
 </file>
 
-<file path=ppt/notesSlides/notesSlide18.xml><?xml version="1.0" encoding="utf-8"?>
+<file path=ppt/notesSlides/notesSlide19.xml><?xml version="1.0" encoding="utf-8"?>
 <p:notes xmlns:a="http://schemas.openxmlformats.org/drawingml/2006/main" xmlns:r="http://schemas.openxmlformats.org/officeDocument/2006/relationships" xmlns:p="http://schemas.openxmlformats.org/presentationml/2006/main">
   <p:cSld>
     <p:spTree>
@@ -3019,114 +3234,6 @@
     <p:extLst>
       <p:ext uri="{BB962C8B-B14F-4D97-AF65-F5344CB8AC3E}">
         <p14:creationId xmlns:p14="http://schemas.microsoft.com/office/powerpoint/2010/main" val="4215904816"/>
-      </p:ext>
-    </p:extLst>
-  </p:cSld>
-  <p:clrMapOvr>
-    <a:masterClrMapping/>
-  </p:clrMapOvr>
-</p:notes>
-</file>
-
-<file path=ppt/notesSlides/notesSlide19.xml><?xml version="1.0" encoding="utf-8"?>
-<p:notes xmlns:a="http://schemas.openxmlformats.org/drawingml/2006/main" xmlns:r="http://schemas.openxmlformats.org/officeDocument/2006/relationships" xmlns:p="http://schemas.openxmlformats.org/presentationml/2006/main">
-  <p:cSld>
-    <p:spTree>
-      <p:nvGrpSpPr>
-        <p:cNvPr id="1" name="">
-          <a:extLst>
-            <a:ext uri="{FF2B5EF4-FFF2-40B4-BE49-F238E27FC236}">
-              <a16:creationId xmlns:a16="http://schemas.microsoft.com/office/drawing/2014/main" id="{4276ED5F-A263-62B9-89FF-512675077675}"/>
-            </a:ext>
-          </a:extLst>
-        </p:cNvPr>
-        <p:cNvGrpSpPr/>
-        <p:nvPr/>
-      </p:nvGrpSpPr>
-      <p:grpSpPr>
-        <a:xfrm>
-          <a:off x="0" y="0"/>
-          <a:ext cx="0" cy="0"/>
-          <a:chOff x="0" y="0"/>
-          <a:chExt cx="0" cy="0"/>
-        </a:xfrm>
-      </p:grpSpPr>
-      <p:sp>
-        <p:nvSpPr>
-          <p:cNvPr id="2" name="Slide Image Placeholder 1">
-            <a:extLst>
-              <a:ext uri="{FF2B5EF4-FFF2-40B4-BE49-F238E27FC236}">
-                <a16:creationId xmlns:a16="http://schemas.microsoft.com/office/drawing/2014/main" id="{BACBDC56-7E0A-71A3-533F-FF050BC20FF7}"/>
-              </a:ext>
-            </a:extLst>
-          </p:cNvPr>
-          <p:cNvSpPr>
-            <a:spLocks noGrp="1" noRot="1" noChangeAspect="1"/>
-          </p:cNvSpPr>
-          <p:nvPr>
-            <p:ph type="sldImg"/>
-          </p:nvPr>
-        </p:nvSpPr>
-        <p:spPr/>
-      </p:sp>
-      <p:sp>
-        <p:nvSpPr>
-          <p:cNvPr id="3" name="Notes Placeholder 2">
-            <a:extLst>
-              <a:ext uri="{FF2B5EF4-FFF2-40B4-BE49-F238E27FC236}">
-                <a16:creationId xmlns:a16="http://schemas.microsoft.com/office/drawing/2014/main" id="{5FCD1FBC-1223-5A98-BEA1-D561C3BA9D89}"/>
-              </a:ext>
-            </a:extLst>
-          </p:cNvPr>
-          <p:cNvSpPr>
-            <a:spLocks noGrp="1"/>
-          </p:cNvSpPr>
-          <p:nvPr>
-            <p:ph type="body" idx="1"/>
-          </p:nvPr>
-        </p:nvSpPr>
-        <p:spPr/>
-        <p:txBody>
-          <a:bodyPr/>
-          <a:lstStyle/>
-          <a:p>
-            <a:endParaRPr lang="en-US"/>
-          </a:p>
-        </p:txBody>
-      </p:sp>
-      <p:sp>
-        <p:nvSpPr>
-          <p:cNvPr id="4" name="Slide Number Placeholder 3">
-            <a:extLst>
-              <a:ext uri="{FF2B5EF4-FFF2-40B4-BE49-F238E27FC236}">
-                <a16:creationId xmlns:a16="http://schemas.microsoft.com/office/drawing/2014/main" id="{D953048A-4C1E-44F7-0F02-230D251ECF1D}"/>
-              </a:ext>
-            </a:extLst>
-          </p:cNvPr>
-          <p:cNvSpPr>
-            <a:spLocks noGrp="1"/>
-          </p:cNvSpPr>
-          <p:nvPr>
-            <p:ph type="sldNum" sz="quarter" idx="5"/>
-          </p:nvPr>
-        </p:nvSpPr>
-        <p:spPr/>
-        <p:txBody>
-          <a:bodyPr/>
-          <a:lstStyle/>
-          <a:p>
-            <a:fld id="{E7AF00E9-A49D-4007-B3B9-A3783809E505}" type="slidenum">
-              <a:rPr lang="en-US" smtClean="0"/>
-              <a:t>20</a:t>
-            </a:fld>
-            <a:endParaRPr lang="en-US"/>
-          </a:p>
-        </p:txBody>
-      </p:sp>
-    </p:spTree>
-    <p:extLst>
-      <p:ext uri="{BB962C8B-B14F-4D97-AF65-F5344CB8AC3E}">
-        <p14:creationId xmlns:p14="http://schemas.microsoft.com/office/powerpoint/2010/main" val="2190120130"/>
       </p:ext>
     </p:extLst>
   </p:cSld>
@@ -3228,6 +3335,114 @@
         <p:cNvPr id="1" name="">
           <a:extLst>
             <a:ext uri="{FF2B5EF4-FFF2-40B4-BE49-F238E27FC236}">
+              <a16:creationId xmlns:a16="http://schemas.microsoft.com/office/drawing/2014/main" id="{4276ED5F-A263-62B9-89FF-512675077675}"/>
+            </a:ext>
+          </a:extLst>
+        </p:cNvPr>
+        <p:cNvGrpSpPr/>
+        <p:nvPr/>
+      </p:nvGrpSpPr>
+      <p:grpSpPr>
+        <a:xfrm>
+          <a:off x="0" y="0"/>
+          <a:ext cx="0" cy="0"/>
+          <a:chOff x="0" y="0"/>
+          <a:chExt cx="0" cy="0"/>
+        </a:xfrm>
+      </p:grpSpPr>
+      <p:sp>
+        <p:nvSpPr>
+          <p:cNvPr id="2" name="Slide Image Placeholder 1">
+            <a:extLst>
+              <a:ext uri="{FF2B5EF4-FFF2-40B4-BE49-F238E27FC236}">
+                <a16:creationId xmlns:a16="http://schemas.microsoft.com/office/drawing/2014/main" id="{BACBDC56-7E0A-71A3-533F-FF050BC20FF7}"/>
+              </a:ext>
+            </a:extLst>
+          </p:cNvPr>
+          <p:cNvSpPr>
+            <a:spLocks noGrp="1" noRot="1" noChangeAspect="1"/>
+          </p:cNvSpPr>
+          <p:nvPr>
+            <p:ph type="sldImg"/>
+          </p:nvPr>
+        </p:nvSpPr>
+        <p:spPr/>
+      </p:sp>
+      <p:sp>
+        <p:nvSpPr>
+          <p:cNvPr id="3" name="Notes Placeholder 2">
+            <a:extLst>
+              <a:ext uri="{FF2B5EF4-FFF2-40B4-BE49-F238E27FC236}">
+                <a16:creationId xmlns:a16="http://schemas.microsoft.com/office/drawing/2014/main" id="{5FCD1FBC-1223-5A98-BEA1-D561C3BA9D89}"/>
+              </a:ext>
+            </a:extLst>
+          </p:cNvPr>
+          <p:cNvSpPr>
+            <a:spLocks noGrp="1"/>
+          </p:cNvSpPr>
+          <p:nvPr>
+            <p:ph type="body" idx="1"/>
+          </p:nvPr>
+        </p:nvSpPr>
+        <p:spPr/>
+        <p:txBody>
+          <a:bodyPr/>
+          <a:lstStyle/>
+          <a:p>
+            <a:endParaRPr lang="en-US"/>
+          </a:p>
+        </p:txBody>
+      </p:sp>
+      <p:sp>
+        <p:nvSpPr>
+          <p:cNvPr id="4" name="Slide Number Placeholder 3">
+            <a:extLst>
+              <a:ext uri="{FF2B5EF4-FFF2-40B4-BE49-F238E27FC236}">
+                <a16:creationId xmlns:a16="http://schemas.microsoft.com/office/drawing/2014/main" id="{D953048A-4C1E-44F7-0F02-230D251ECF1D}"/>
+              </a:ext>
+            </a:extLst>
+          </p:cNvPr>
+          <p:cNvSpPr>
+            <a:spLocks noGrp="1"/>
+          </p:cNvSpPr>
+          <p:nvPr>
+            <p:ph type="sldNum" sz="quarter" idx="5"/>
+          </p:nvPr>
+        </p:nvSpPr>
+        <p:spPr/>
+        <p:txBody>
+          <a:bodyPr/>
+          <a:lstStyle/>
+          <a:p>
+            <a:fld id="{E7AF00E9-A49D-4007-B3B9-A3783809E505}" type="slidenum">
+              <a:rPr lang="en-US" smtClean="0"/>
+              <a:t>20</a:t>
+            </a:fld>
+            <a:endParaRPr lang="en-US"/>
+          </a:p>
+        </p:txBody>
+      </p:sp>
+    </p:spTree>
+    <p:extLst>
+      <p:ext uri="{BB962C8B-B14F-4D97-AF65-F5344CB8AC3E}">
+        <p14:creationId xmlns:p14="http://schemas.microsoft.com/office/powerpoint/2010/main" val="2190120130"/>
+      </p:ext>
+    </p:extLst>
+  </p:cSld>
+  <p:clrMapOvr>
+    <a:masterClrMapping/>
+  </p:clrMapOvr>
+</p:notes>
+</file>
+
+<file path=ppt/notesSlides/notesSlide21.xml><?xml version="1.0" encoding="utf-8"?>
+<p:notes xmlns:a="http://schemas.openxmlformats.org/drawingml/2006/main" xmlns:r="http://schemas.openxmlformats.org/officeDocument/2006/relationships" xmlns:p="http://schemas.openxmlformats.org/presentationml/2006/main">
+  <p:cSld>
+    <p:spTree>
+      <p:nvGrpSpPr>
+        <p:cNvPr id="1" name="">
+          <a:extLst>
+            <a:ext uri="{FF2B5EF4-FFF2-40B4-BE49-F238E27FC236}">
               <a16:creationId xmlns:a16="http://schemas.microsoft.com/office/drawing/2014/main" id="{F1962131-92C2-72C3-5FA8-0901470CD8BB}"/>
             </a:ext>
           </a:extLst>
@@ -3328,7 +3543,7 @@
 </p:notes>
 </file>
 
-<file path=ppt/notesSlides/notesSlide21.xml><?xml version="1.0" encoding="utf-8"?>
+<file path=ppt/notesSlides/notesSlide22.xml><?xml version="1.0" encoding="utf-8"?>
 <p:notes xmlns:a="http://schemas.openxmlformats.org/drawingml/2006/main" xmlns:r="http://schemas.openxmlformats.org/officeDocument/2006/relationships" xmlns:p="http://schemas.openxmlformats.org/presentationml/2006/main">
   <p:cSld>
     <p:spTree>
@@ -3436,7 +3651,7 @@
 </p:notes>
 </file>
 
-<file path=ppt/notesSlides/notesSlide22.xml><?xml version="1.0" encoding="utf-8"?>
+<file path=ppt/notesSlides/notesSlide23.xml><?xml version="1.0" encoding="utf-8"?>
 <p:notes xmlns:a="http://schemas.openxmlformats.org/drawingml/2006/main" xmlns:r="http://schemas.openxmlformats.org/officeDocument/2006/relationships" xmlns:p="http://schemas.openxmlformats.org/presentationml/2006/main">
   <p:cSld>
     <p:spTree>
@@ -3544,7 +3759,7 @@
 </p:notes>
 </file>
 
-<file path=ppt/notesSlides/notesSlide23.xml><?xml version="1.0" encoding="utf-8"?>
+<file path=ppt/notesSlides/notesSlide24.xml><?xml version="1.0" encoding="utf-8"?>
 <p:notes xmlns:a="http://schemas.openxmlformats.org/drawingml/2006/main" xmlns:r="http://schemas.openxmlformats.org/officeDocument/2006/relationships" xmlns:p="http://schemas.openxmlformats.org/presentationml/2006/main">
   <p:cSld>
     <p:spTree>
@@ -3633,7 +3848,7 @@
           <a:p>
             <a:fld id="{E7AF00E9-A49D-4007-B3B9-A3783809E505}" type="slidenum">
               <a:rPr lang="en-US" smtClean="0"/>
-              <a:t>22</a:t>
+              <a:t>24</a:t>
             </a:fld>
             <a:endParaRPr lang="en-US"/>
           </a:p>
@@ -3652,7 +3867,7 @@
 </p:notes>
 </file>
 
-<file path=ppt/notesSlides/notesSlide24.xml><?xml version="1.0" encoding="utf-8"?>
+<file path=ppt/notesSlides/notesSlide25.xml><?xml version="1.0" encoding="utf-8"?>
 <p:notes xmlns:a="http://schemas.openxmlformats.org/drawingml/2006/main" xmlns:r="http://schemas.openxmlformats.org/officeDocument/2006/relationships" xmlns:p="http://schemas.openxmlformats.org/presentationml/2006/main">
   <p:cSld>
     <p:spTree>
@@ -3741,7 +3956,7 @@
           <a:p>
             <a:fld id="{E7AF00E9-A49D-4007-B3B9-A3783809E505}" type="slidenum">
               <a:rPr lang="en-US" smtClean="0"/>
-              <a:t>23</a:t>
+              <a:t>25</a:t>
             </a:fld>
             <a:endParaRPr lang="en-US"/>
           </a:p>
@@ -3760,7 +3975,7 @@
 </p:notes>
 </file>
 
-<file path=ppt/notesSlides/notesSlide25.xml><?xml version="1.0" encoding="utf-8"?>
+<file path=ppt/notesSlides/notesSlide26.xml><?xml version="1.0" encoding="utf-8"?>
 <p:notes xmlns:a="http://schemas.openxmlformats.org/drawingml/2006/main" xmlns:r="http://schemas.openxmlformats.org/officeDocument/2006/relationships" xmlns:p="http://schemas.openxmlformats.org/presentationml/2006/main">
   <p:cSld>
     <p:spTree>
@@ -3825,7 +4040,7 @@
           <a:p>
             <a:fld id="{E7AF00E9-A49D-4007-B3B9-A3783809E505}" type="slidenum">
               <a:rPr lang="en-US" smtClean="0"/>
-              <a:t>29</a:t>
+              <a:t>26</a:t>
             </a:fld>
             <a:endParaRPr lang="en-US"/>
           </a:p>
@@ -3844,7 +4059,7 @@
 </p:notes>
 </file>
 
-<file path=ppt/notesSlides/notesSlide26.xml><?xml version="1.0" encoding="utf-8"?>
+<file path=ppt/notesSlides/notesSlide27.xml><?xml version="1.0" encoding="utf-8"?>
 <p:notes xmlns:a="http://schemas.openxmlformats.org/drawingml/2006/main" xmlns:r="http://schemas.openxmlformats.org/officeDocument/2006/relationships" xmlns:p="http://schemas.openxmlformats.org/presentationml/2006/main">
   <p:cSld>
     <p:spTree>
@@ -3933,7 +4148,7 @@
           <a:p>
             <a:fld id="{E7AF00E9-A49D-4007-B3B9-A3783809E505}" type="slidenum">
               <a:rPr lang="en-US" smtClean="0"/>
-              <a:t>24</a:t>
+              <a:t>27</a:t>
             </a:fld>
             <a:endParaRPr lang="en-US"/>
           </a:p>
@@ -3952,7 +4167,7 @@
 </p:notes>
 </file>
 
-<file path=ppt/notesSlides/notesSlide27.xml><?xml version="1.0" encoding="utf-8"?>
+<file path=ppt/notesSlides/notesSlide28.xml><?xml version="1.0" encoding="utf-8"?>
 <p:notes xmlns:a="http://schemas.openxmlformats.org/drawingml/2006/main" xmlns:r="http://schemas.openxmlformats.org/officeDocument/2006/relationships" xmlns:p="http://schemas.openxmlformats.org/presentationml/2006/main">
   <p:cSld>
     <p:spTree>
@@ -4041,7 +4256,7 @@
           <a:p>
             <a:fld id="{E7AF00E9-A49D-4007-B3B9-A3783809E505}" type="slidenum">
               <a:rPr lang="en-US" smtClean="0"/>
-              <a:t>23</a:t>
+              <a:t>28</a:t>
             </a:fld>
             <a:endParaRPr lang="en-US"/>
           </a:p>
@@ -4060,7 +4275,7 @@
 </p:notes>
 </file>
 
-<file path=ppt/notesSlides/notesSlide28.xml><?xml version="1.0" encoding="utf-8"?>
+<file path=ppt/notesSlides/notesSlide29.xml><?xml version="1.0" encoding="utf-8"?>
 <p:notes xmlns:a="http://schemas.openxmlformats.org/drawingml/2006/main" xmlns:r="http://schemas.openxmlformats.org/officeDocument/2006/relationships" xmlns:p="http://schemas.openxmlformats.org/presentationml/2006/main">
   <p:cSld>
     <p:spTree>
@@ -4149,7 +4364,7 @@
           <a:p>
             <a:fld id="{E7AF00E9-A49D-4007-B3B9-A3783809E505}" type="slidenum">
               <a:rPr lang="en-US" smtClean="0"/>
-              <a:t>26</a:t>
+              <a:t>29</a:t>
             </a:fld>
             <a:endParaRPr lang="en-US"/>
           </a:p>
@@ -4168,7 +4383,7 @@
 </p:notes>
 </file>
 
-<file path=ppt/notesSlides/notesSlide29.xml><?xml version="1.0" encoding="utf-8"?>
+<file path=ppt/notesSlides/notesSlide3.xml><?xml version="1.0" encoding="utf-8"?>
 <p:notes xmlns:a="http://schemas.openxmlformats.org/drawingml/2006/main" xmlns:r="http://schemas.openxmlformats.org/officeDocument/2006/relationships" xmlns:p="http://schemas.openxmlformats.org/presentationml/2006/main">
   <p:cSld>
     <p:spTree>
@@ -4176,7 +4391,7 @@
         <p:cNvPr id="1" name="">
           <a:extLst>
             <a:ext uri="{FF2B5EF4-FFF2-40B4-BE49-F238E27FC236}">
-              <a16:creationId xmlns:a16="http://schemas.microsoft.com/office/drawing/2014/main" id="{6B8F7CD6-6153-53CB-AD14-3ECA3F9667B1}"/>
+              <a16:creationId xmlns:a16="http://schemas.microsoft.com/office/drawing/2014/main" id="{AAB198A0-685D-60E0-32B4-06F5676954F2}"/>
             </a:ext>
           </a:extLst>
         </p:cNvPr>
@@ -4196,7 +4411,7 @@
           <p:cNvPr id="2" name="Slide Image Placeholder 1">
             <a:extLst>
               <a:ext uri="{FF2B5EF4-FFF2-40B4-BE49-F238E27FC236}">
-                <a16:creationId xmlns:a16="http://schemas.microsoft.com/office/drawing/2014/main" id="{582C42BD-E4B0-F666-C7C5-09323F2C930C}"/>
+                <a16:creationId xmlns:a16="http://schemas.microsoft.com/office/drawing/2014/main" id="{9A27D28F-19CD-192D-EC5F-B738B7E41051}"/>
               </a:ext>
             </a:extLst>
           </p:cNvPr>
@@ -4214,7 +4429,7 @@
           <p:cNvPr id="3" name="Notes Placeholder 2">
             <a:extLst>
               <a:ext uri="{FF2B5EF4-FFF2-40B4-BE49-F238E27FC236}">
-                <a16:creationId xmlns:a16="http://schemas.microsoft.com/office/drawing/2014/main" id="{096F6011-40E7-8C57-F399-87DD3C1DF10D}"/>
+                <a16:creationId xmlns:a16="http://schemas.microsoft.com/office/drawing/2014/main" id="{6313FA9B-01AC-CA32-B5F0-14E41E2D9A9B}"/>
               </a:ext>
             </a:extLst>
           </p:cNvPr>
@@ -4239,7 +4454,7 @@
           <p:cNvPr id="4" name="Slide Number Placeholder 3">
             <a:extLst>
               <a:ext uri="{FF2B5EF4-FFF2-40B4-BE49-F238E27FC236}">
-                <a16:creationId xmlns:a16="http://schemas.microsoft.com/office/drawing/2014/main" id="{26A3A4E5-BECE-8EA7-FA31-21055BAC6FA9}"/>
+                <a16:creationId xmlns:a16="http://schemas.microsoft.com/office/drawing/2014/main" id="{9DF82FBD-B046-F923-AAD2-B3841840E2C0}"/>
               </a:ext>
             </a:extLst>
           </p:cNvPr>
@@ -4257,7 +4472,7 @@
           <a:p>
             <a:fld id="{E7AF00E9-A49D-4007-B3B9-A3783809E505}" type="slidenum">
               <a:rPr lang="en-US" smtClean="0"/>
-              <a:t>35</a:t>
+              <a:t>3</a:t>
             </a:fld>
             <a:endParaRPr lang="en-US"/>
           </a:p>
@@ -4266,7 +4481,7 @@
     </p:spTree>
     <p:extLst>
       <p:ext uri="{BB962C8B-B14F-4D97-AF65-F5344CB8AC3E}">
-        <p14:creationId xmlns:p14="http://schemas.microsoft.com/office/powerpoint/2010/main" val="2946274790"/>
+        <p14:creationId xmlns:p14="http://schemas.microsoft.com/office/powerpoint/2010/main" val="2832905366"/>
       </p:ext>
     </p:extLst>
   </p:cSld>
@@ -4276,7 +4491,7 @@
 </p:notes>
 </file>
 
-<file path=ppt/notesSlides/notesSlide3.xml><?xml version="1.0" encoding="utf-8"?>
+<file path=ppt/notesSlides/notesSlide4.xml><?xml version="1.0" encoding="utf-8"?>
 <p:notes xmlns:a="http://schemas.openxmlformats.org/drawingml/2006/main" xmlns:r="http://schemas.openxmlformats.org/officeDocument/2006/relationships" xmlns:p="http://schemas.openxmlformats.org/presentationml/2006/main">
   <p:cSld>
     <p:spTree>
@@ -4365,7 +4580,7 @@
           <a:p>
             <a:fld id="{E7AF00E9-A49D-4007-B3B9-A3783809E505}" type="slidenum">
               <a:rPr lang="en-US" smtClean="0"/>
-              <a:t>3</a:t>
+              <a:t>4</a:t>
             </a:fld>
             <a:endParaRPr lang="en-US"/>
           </a:p>
@@ -4375,90 +4590,6 @@
     <p:extLst>
       <p:ext uri="{BB962C8B-B14F-4D97-AF65-F5344CB8AC3E}">
         <p14:creationId xmlns:p14="http://schemas.microsoft.com/office/powerpoint/2010/main" val="488676411"/>
-      </p:ext>
-    </p:extLst>
-  </p:cSld>
-  <p:clrMapOvr>
-    <a:masterClrMapping/>
-  </p:clrMapOvr>
-</p:notes>
-</file>
-
-<file path=ppt/notesSlides/notesSlide4.xml><?xml version="1.0" encoding="utf-8"?>
-<p:notes xmlns:a="http://schemas.openxmlformats.org/drawingml/2006/main" xmlns:r="http://schemas.openxmlformats.org/officeDocument/2006/relationships" xmlns:p="http://schemas.openxmlformats.org/presentationml/2006/main">
-  <p:cSld>
-    <p:spTree>
-      <p:nvGrpSpPr>
-        <p:cNvPr id="1" name=""/>
-        <p:cNvGrpSpPr/>
-        <p:nvPr/>
-      </p:nvGrpSpPr>
-      <p:grpSpPr>
-        <a:xfrm>
-          <a:off x="0" y="0"/>
-          <a:ext cx="0" cy="0"/>
-          <a:chOff x="0" y="0"/>
-          <a:chExt cx="0" cy="0"/>
-        </a:xfrm>
-      </p:grpSpPr>
-      <p:sp>
-        <p:nvSpPr>
-          <p:cNvPr id="2" name="Slide Image Placeholder 1"/>
-          <p:cNvSpPr>
-            <a:spLocks noGrp="1" noRot="1" noChangeAspect="1"/>
-          </p:cNvSpPr>
-          <p:nvPr>
-            <p:ph type="sldImg"/>
-          </p:nvPr>
-        </p:nvSpPr>
-        <p:spPr/>
-      </p:sp>
-      <p:sp>
-        <p:nvSpPr>
-          <p:cNvPr id="3" name="Notes Placeholder 2"/>
-          <p:cNvSpPr>
-            <a:spLocks noGrp="1"/>
-          </p:cNvSpPr>
-          <p:nvPr>
-            <p:ph type="body" idx="1"/>
-          </p:nvPr>
-        </p:nvSpPr>
-        <p:spPr/>
-        <p:txBody>
-          <a:bodyPr/>
-          <a:lstStyle/>
-          <a:p>
-            <a:endParaRPr lang="en-US"/>
-          </a:p>
-        </p:txBody>
-      </p:sp>
-      <p:sp>
-        <p:nvSpPr>
-          <p:cNvPr id="4" name="Slide Number Placeholder 3"/>
-          <p:cNvSpPr>
-            <a:spLocks noGrp="1"/>
-          </p:cNvSpPr>
-          <p:nvPr>
-            <p:ph type="sldNum" sz="quarter" idx="5"/>
-          </p:nvPr>
-        </p:nvSpPr>
-        <p:spPr/>
-        <p:txBody>
-          <a:bodyPr/>
-          <a:lstStyle/>
-          <a:p>
-            <a:fld id="{E7AF00E9-A49D-4007-B3B9-A3783809E505}" type="slidenum">
-              <a:rPr lang="en-US" smtClean="0"/>
-              <a:t>5</a:t>
-            </a:fld>
-            <a:endParaRPr lang="en-US"/>
-          </a:p>
-        </p:txBody>
-      </p:sp>
-    </p:spTree>
-    <p:extLst>
-      <p:ext uri="{BB962C8B-B14F-4D97-AF65-F5344CB8AC3E}">
-        <p14:creationId xmlns:p14="http://schemas.microsoft.com/office/powerpoint/2010/main" val="560649840"/>
       </p:ext>
     </p:extLst>
   </p:cSld>
@@ -4533,6 +4664,90 @@
           <a:p>
             <a:fld id="{E7AF00E9-A49D-4007-B3B9-A3783809E505}" type="slidenum">
               <a:rPr lang="en-US" smtClean="0"/>
+              <a:t>5</a:t>
+            </a:fld>
+            <a:endParaRPr lang="en-US"/>
+          </a:p>
+        </p:txBody>
+      </p:sp>
+    </p:spTree>
+    <p:extLst>
+      <p:ext uri="{BB962C8B-B14F-4D97-AF65-F5344CB8AC3E}">
+        <p14:creationId xmlns:p14="http://schemas.microsoft.com/office/powerpoint/2010/main" val="560649840"/>
+      </p:ext>
+    </p:extLst>
+  </p:cSld>
+  <p:clrMapOvr>
+    <a:masterClrMapping/>
+  </p:clrMapOvr>
+</p:notes>
+</file>
+
+<file path=ppt/notesSlides/notesSlide6.xml><?xml version="1.0" encoding="utf-8"?>
+<p:notes xmlns:a="http://schemas.openxmlformats.org/drawingml/2006/main" xmlns:r="http://schemas.openxmlformats.org/officeDocument/2006/relationships" xmlns:p="http://schemas.openxmlformats.org/presentationml/2006/main">
+  <p:cSld>
+    <p:spTree>
+      <p:nvGrpSpPr>
+        <p:cNvPr id="1" name=""/>
+        <p:cNvGrpSpPr/>
+        <p:nvPr/>
+      </p:nvGrpSpPr>
+      <p:grpSpPr>
+        <a:xfrm>
+          <a:off x="0" y="0"/>
+          <a:ext cx="0" cy="0"/>
+          <a:chOff x="0" y="0"/>
+          <a:chExt cx="0" cy="0"/>
+        </a:xfrm>
+      </p:grpSpPr>
+      <p:sp>
+        <p:nvSpPr>
+          <p:cNvPr id="2" name="Slide Image Placeholder 1"/>
+          <p:cNvSpPr>
+            <a:spLocks noGrp="1" noRot="1" noChangeAspect="1"/>
+          </p:cNvSpPr>
+          <p:nvPr>
+            <p:ph type="sldImg"/>
+          </p:nvPr>
+        </p:nvSpPr>
+        <p:spPr/>
+      </p:sp>
+      <p:sp>
+        <p:nvSpPr>
+          <p:cNvPr id="3" name="Notes Placeholder 2"/>
+          <p:cNvSpPr>
+            <a:spLocks noGrp="1"/>
+          </p:cNvSpPr>
+          <p:nvPr>
+            <p:ph type="body" idx="1"/>
+          </p:nvPr>
+        </p:nvSpPr>
+        <p:spPr/>
+        <p:txBody>
+          <a:bodyPr/>
+          <a:lstStyle/>
+          <a:p>
+            <a:endParaRPr lang="en-US"/>
+          </a:p>
+        </p:txBody>
+      </p:sp>
+      <p:sp>
+        <p:nvSpPr>
+          <p:cNvPr id="4" name="Slide Number Placeholder 3"/>
+          <p:cNvSpPr>
+            <a:spLocks noGrp="1"/>
+          </p:cNvSpPr>
+          <p:nvPr>
+            <p:ph type="sldNum" sz="quarter" idx="5"/>
+          </p:nvPr>
+        </p:nvSpPr>
+        <p:spPr/>
+        <p:txBody>
+          <a:bodyPr/>
+          <a:lstStyle/>
+          <a:p>
+            <a:fld id="{E7AF00E9-A49D-4007-B3B9-A3783809E505}" type="slidenum">
+              <a:rPr lang="en-US" smtClean="0"/>
               <a:t>6</a:t>
             </a:fld>
             <a:endParaRPr lang="en-US"/>
@@ -4552,7 +4767,7 @@
 </p:notes>
 </file>
 
-<file path=ppt/notesSlides/notesSlide6.xml><?xml version="1.0" encoding="utf-8"?>
+<file path=ppt/notesSlides/notesSlide7.xml><?xml version="1.0" encoding="utf-8"?>
 <p:notes xmlns:a="http://schemas.openxmlformats.org/drawingml/2006/main" xmlns:r="http://schemas.openxmlformats.org/officeDocument/2006/relationships" xmlns:p="http://schemas.openxmlformats.org/presentationml/2006/main">
   <p:cSld>
     <p:spTree>
@@ -4660,7 +4875,7 @@
 </p:notes>
 </file>
 
-<file path=ppt/notesSlides/notesSlide7.xml><?xml version="1.0" encoding="utf-8"?>
+<file path=ppt/notesSlides/notesSlide8.xml><?xml version="1.0" encoding="utf-8"?>
 <p:notes xmlns:a="http://schemas.openxmlformats.org/drawingml/2006/main" xmlns:r="http://schemas.openxmlformats.org/officeDocument/2006/relationships" xmlns:p="http://schemas.openxmlformats.org/presentationml/2006/main">
   <p:cSld>
     <p:spTree>
@@ -4768,7 +4983,7 @@
 </p:notes>
 </file>
 
-<file path=ppt/notesSlides/notesSlide8.xml><?xml version="1.0" encoding="utf-8"?>
+<file path=ppt/notesSlides/notesSlide9.xml><?xml version="1.0" encoding="utf-8"?>
 <p:notes xmlns:a="http://schemas.openxmlformats.org/drawingml/2006/main" xmlns:r="http://schemas.openxmlformats.org/officeDocument/2006/relationships" xmlns:p="http://schemas.openxmlformats.org/presentationml/2006/main">
   <p:cSld>
     <p:spTree>
@@ -4867,114 +5082,6 @@
     <p:extLst>
       <p:ext uri="{BB962C8B-B14F-4D97-AF65-F5344CB8AC3E}">
         <p14:creationId xmlns:p14="http://schemas.microsoft.com/office/powerpoint/2010/main" val="4020472321"/>
-      </p:ext>
-    </p:extLst>
-  </p:cSld>
-  <p:clrMapOvr>
-    <a:masterClrMapping/>
-  </p:clrMapOvr>
-</p:notes>
-</file>
-
-<file path=ppt/notesSlides/notesSlide9.xml><?xml version="1.0" encoding="utf-8"?>
-<p:notes xmlns:a="http://schemas.openxmlformats.org/drawingml/2006/main" xmlns:r="http://schemas.openxmlformats.org/officeDocument/2006/relationships" xmlns:p="http://schemas.openxmlformats.org/presentationml/2006/main">
-  <p:cSld>
-    <p:spTree>
-      <p:nvGrpSpPr>
-        <p:cNvPr id="1" name="">
-          <a:extLst>
-            <a:ext uri="{FF2B5EF4-FFF2-40B4-BE49-F238E27FC236}">
-              <a16:creationId xmlns:a16="http://schemas.microsoft.com/office/drawing/2014/main" id="{BD5C6E32-FB5C-FC80-0FEA-6D32CDC326FF}"/>
-            </a:ext>
-          </a:extLst>
-        </p:cNvPr>
-        <p:cNvGrpSpPr/>
-        <p:nvPr/>
-      </p:nvGrpSpPr>
-      <p:grpSpPr>
-        <a:xfrm>
-          <a:off x="0" y="0"/>
-          <a:ext cx="0" cy="0"/>
-          <a:chOff x="0" y="0"/>
-          <a:chExt cx="0" cy="0"/>
-        </a:xfrm>
-      </p:grpSpPr>
-      <p:sp>
-        <p:nvSpPr>
-          <p:cNvPr id="2" name="Slide Image Placeholder 1">
-            <a:extLst>
-              <a:ext uri="{FF2B5EF4-FFF2-40B4-BE49-F238E27FC236}">
-                <a16:creationId xmlns:a16="http://schemas.microsoft.com/office/drawing/2014/main" id="{AAF8DF9A-DE31-A365-E708-9CD0CE592632}"/>
-              </a:ext>
-            </a:extLst>
-          </p:cNvPr>
-          <p:cNvSpPr>
-            <a:spLocks noGrp="1" noRot="1" noChangeAspect="1"/>
-          </p:cNvSpPr>
-          <p:nvPr>
-            <p:ph type="sldImg"/>
-          </p:nvPr>
-        </p:nvSpPr>
-        <p:spPr/>
-      </p:sp>
-      <p:sp>
-        <p:nvSpPr>
-          <p:cNvPr id="3" name="Notes Placeholder 2">
-            <a:extLst>
-              <a:ext uri="{FF2B5EF4-FFF2-40B4-BE49-F238E27FC236}">
-                <a16:creationId xmlns:a16="http://schemas.microsoft.com/office/drawing/2014/main" id="{61864B3A-7334-AD45-5295-E0A8E4E65EA4}"/>
-              </a:ext>
-            </a:extLst>
-          </p:cNvPr>
-          <p:cNvSpPr>
-            <a:spLocks noGrp="1"/>
-          </p:cNvSpPr>
-          <p:nvPr>
-            <p:ph type="body" idx="1"/>
-          </p:nvPr>
-        </p:nvSpPr>
-        <p:spPr/>
-        <p:txBody>
-          <a:bodyPr/>
-          <a:lstStyle/>
-          <a:p>
-            <a:endParaRPr lang="en-US"/>
-          </a:p>
-        </p:txBody>
-      </p:sp>
-      <p:sp>
-        <p:nvSpPr>
-          <p:cNvPr id="4" name="Slide Number Placeholder 3">
-            <a:extLst>
-              <a:ext uri="{FF2B5EF4-FFF2-40B4-BE49-F238E27FC236}">
-                <a16:creationId xmlns:a16="http://schemas.microsoft.com/office/drawing/2014/main" id="{917A70BB-74EF-1D97-9C2C-CE8A878E73A3}"/>
-              </a:ext>
-            </a:extLst>
-          </p:cNvPr>
-          <p:cNvSpPr>
-            <a:spLocks noGrp="1"/>
-          </p:cNvSpPr>
-          <p:nvPr>
-            <p:ph type="sldNum" sz="quarter" idx="5"/>
-          </p:nvPr>
-        </p:nvSpPr>
-        <p:spPr/>
-        <p:txBody>
-          <a:bodyPr/>
-          <a:lstStyle/>
-          <a:p>
-            <a:fld id="{E7AF00E9-A49D-4007-B3B9-A3783809E505}" type="slidenum">
-              <a:rPr lang="en-US" smtClean="0"/>
-              <a:t>10</a:t>
-            </a:fld>
-            <a:endParaRPr lang="en-US"/>
-          </a:p>
-        </p:txBody>
-      </p:sp>
-    </p:spTree>
-    <p:extLst>
-      <p:ext uri="{BB962C8B-B14F-4D97-AF65-F5344CB8AC3E}">
-        <p14:creationId xmlns:p14="http://schemas.microsoft.com/office/powerpoint/2010/main" val="3744089743"/>
       </p:ext>
     </p:extLst>
   </p:cSld>
@@ -22437,6 +22544,112 @@
         <p:cNvPr id="1" name="">
           <a:extLst>
             <a:ext uri="{FF2B5EF4-FFF2-40B4-BE49-F238E27FC236}">
+              <a16:creationId xmlns:a16="http://schemas.microsoft.com/office/drawing/2014/main" id="{B6FBF3B5-37F9-36E7-AFF6-DE700DCF883B}"/>
+            </a:ext>
+          </a:extLst>
+        </p:cNvPr>
+        <p:cNvGrpSpPr/>
+        <p:nvPr/>
+      </p:nvGrpSpPr>
+      <p:grpSpPr>
+        <a:xfrm>
+          <a:off x="0" y="0"/>
+          <a:ext cx="0" cy="0"/>
+          <a:chOff x="0" y="0"/>
+          <a:chExt cx="0" cy="0"/>
+        </a:xfrm>
+      </p:grpSpPr>
+      <p:sp>
+        <p:nvSpPr>
+          <p:cNvPr id="2" name="Title 1">
+            <a:extLst>
+              <a:ext uri="{FF2B5EF4-FFF2-40B4-BE49-F238E27FC236}">
+                <a16:creationId xmlns:a16="http://schemas.microsoft.com/office/drawing/2014/main" id="{111DD140-DBC7-EFAF-8DFE-450631688B97}"/>
+              </a:ext>
+            </a:extLst>
+          </p:cNvPr>
+          <p:cNvSpPr>
+            <a:spLocks noGrp="1"/>
+          </p:cNvSpPr>
+          <p:nvPr>
+            <p:ph type="ctrTitle"/>
+          </p:nvPr>
+        </p:nvSpPr>
+        <p:spPr>
+          <a:xfrm>
+            <a:off x="550863" y="1444813"/>
+            <a:ext cx="4159160" cy="3155900"/>
+          </a:xfrm>
+          <a:noFill/>
+        </p:spPr>
+        <p:txBody>
+          <a:bodyPr vert="horz" wrap="square" lIns="91440" tIns="0" rIns="0" bIns="0" rtlCol="0" anchor="ctr" anchorCtr="0">
+            <a:noAutofit/>
+          </a:bodyPr>
+          <a:lstStyle/>
+          <a:p>
+            <a:pPr algn="ctr"/>
+            <a:r>
+              <a:rPr lang="en-US"/>
+              <a:t>Data Cleaning</a:t>
+            </a:r>
+          </a:p>
+        </p:txBody>
+      </p:sp>
+      <p:pic>
+        <p:nvPicPr>
+          <p:cNvPr id="7" name="Picture Placeholder 17" descr="A person drawing on a white board">
+            <a:extLst>
+              <a:ext uri="{FF2B5EF4-FFF2-40B4-BE49-F238E27FC236}">
+                <a16:creationId xmlns:a16="http://schemas.microsoft.com/office/drawing/2014/main" id="{3B367238-969D-EBC6-ACF4-3B4379C35C13}"/>
+              </a:ext>
+            </a:extLst>
+          </p:cNvPr>
+          <p:cNvPicPr>
+            <a:picLocks noGrp="1" noChangeAspect="1"/>
+          </p:cNvPicPr>
+          <p:nvPr>
+            <p:ph type="pic" sz="quarter" idx="13"/>
+          </p:nvPr>
+        </p:nvPicPr>
+        <p:blipFill rotWithShape="1">
+          <a:blip r:embed="rId3" cstate="screen">
+            <a:extLst>
+              <a:ext uri="{28A0092B-C50C-407E-A947-70E740481C1C}">
+                <a14:useLocalDpi xmlns:a14="http://schemas.microsoft.com/office/drawing/2010/main" val="0"/>
+              </a:ext>
+            </a:extLst>
+          </a:blip>
+          <a:srcRect/>
+          <a:stretch/>
+        </p:blipFill>
+        <p:spPr>
+          <a:solidFill>
+            <a:schemeClr val="accent5"/>
+          </a:solidFill>
+        </p:spPr>
+      </p:pic>
+    </p:spTree>
+    <p:extLst>
+      <p:ext uri="{BB962C8B-B14F-4D97-AF65-F5344CB8AC3E}">
+        <p14:creationId xmlns:p14="http://schemas.microsoft.com/office/powerpoint/2010/main" val="1781102573"/>
+      </p:ext>
+    </p:extLst>
+  </p:cSld>
+  <p:clrMapOvr>
+    <a:masterClrMapping/>
+  </p:clrMapOvr>
+</p:sld>
+</file>
+
+<file path=ppt/slides/slide11.xml><?xml version="1.0" encoding="utf-8"?>
+<p:sld xmlns:a="http://schemas.openxmlformats.org/drawingml/2006/main" xmlns:r="http://schemas.openxmlformats.org/officeDocument/2006/relationships" xmlns:p="http://schemas.openxmlformats.org/presentationml/2006/main">
+  <p:cSld>
+    <p:spTree>
+      <p:nvGrpSpPr>
+        <p:cNvPr id="1" name="">
+          <a:extLst>
+            <a:ext uri="{FF2B5EF4-FFF2-40B4-BE49-F238E27FC236}">
               <a16:creationId xmlns:a16="http://schemas.microsoft.com/office/drawing/2014/main" id="{11C203A2-6DC1-1466-29A3-80C423F54C52}"/>
             </a:ext>
           </a:extLst>
@@ -22539,7 +22752,7 @@
 </p:sld>
 </file>
 
-<file path=ppt/slides/slide11.xml><?xml version="1.0" encoding="utf-8"?>
+<file path=ppt/slides/slide12.xml><?xml version="1.0" encoding="utf-8"?>
 <p:sld xmlns:a="http://schemas.openxmlformats.org/drawingml/2006/main" xmlns:r="http://schemas.openxmlformats.org/officeDocument/2006/relationships" xmlns:p="http://schemas.openxmlformats.org/presentationml/2006/main">
   <p:cSld>
     <p:spTree>
@@ -22655,7 +22868,7 @@
 </p:sld>
 </file>
 
-<file path=ppt/slides/slide12.xml><?xml version="1.0" encoding="utf-8"?>
+<file path=ppt/slides/slide13.xml><?xml version="1.0" encoding="utf-8"?>
 <p:sld xmlns:a="http://schemas.openxmlformats.org/drawingml/2006/main" xmlns:r="http://schemas.openxmlformats.org/officeDocument/2006/relationships" xmlns:p="http://schemas.openxmlformats.org/presentationml/2006/main">
   <p:cSld>
     <p:spTree>
@@ -22761,7 +22974,7 @@
 </p:sld>
 </file>
 
-<file path=ppt/slides/slide13.xml><?xml version="1.0" encoding="utf-8"?>
+<file path=ppt/slides/slide14.xml><?xml version="1.0" encoding="utf-8"?>
 <p:sld xmlns:a="http://schemas.openxmlformats.org/drawingml/2006/main" xmlns:r="http://schemas.openxmlformats.org/officeDocument/2006/relationships" xmlns:p="http://schemas.openxmlformats.org/presentationml/2006/main">
   <p:cSld>
     <p:spTree>
@@ -22826,7 +23039,7 @@
 </p:sld>
 </file>
 
-<file path=ppt/slides/slide14.xml><?xml version="1.0" encoding="utf-8"?>
+<file path=ppt/slides/slide15.xml><?xml version="1.0" encoding="utf-8"?>
 <p:sld xmlns:a="http://schemas.openxmlformats.org/drawingml/2006/main" xmlns:r="http://schemas.openxmlformats.org/officeDocument/2006/relationships" xmlns:p="http://schemas.openxmlformats.org/presentationml/2006/main">
   <p:cSld>
     <p:spTree>
@@ -22891,7 +23104,7 @@
 </p:sld>
 </file>
 
-<file path=ppt/slides/slide15.xml><?xml version="1.0" encoding="utf-8"?>
+<file path=ppt/slides/slide16.xml><?xml version="1.0" encoding="utf-8"?>
 <p:sld xmlns:a="http://schemas.openxmlformats.org/drawingml/2006/main" xmlns:r="http://schemas.openxmlformats.org/officeDocument/2006/relationships" xmlns:p="http://schemas.openxmlformats.org/presentationml/2006/main">
   <p:cSld>
     <p:spTree>
@@ -22997,7 +23210,7 @@
 </p:sld>
 </file>
 
-<file path=ppt/slides/slide16.xml><?xml version="1.0" encoding="utf-8"?>
+<file path=ppt/slides/slide17.xml><?xml version="1.0" encoding="utf-8"?>
 <p:sld xmlns:a="http://schemas.openxmlformats.org/drawingml/2006/main" xmlns:r="http://schemas.openxmlformats.org/officeDocument/2006/relationships" xmlns:p="http://schemas.openxmlformats.org/presentationml/2006/main">
   <p:cSld>
     <p:spTree>
@@ -23140,7 +23353,7 @@
 </p:sld>
 </file>
 
-<file path=ppt/slides/slide17.xml><?xml version="1.0" encoding="utf-8"?>
+<file path=ppt/slides/slide18.xml><?xml version="1.0" encoding="utf-8"?>
 <p:sld xmlns:a="http://schemas.openxmlformats.org/drawingml/2006/main" xmlns:r="http://schemas.openxmlformats.org/officeDocument/2006/relationships" xmlns:p="http://schemas.openxmlformats.org/presentationml/2006/main">
   <p:cSld>
     <p:spTree>
@@ -23246,7 +23459,7 @@
 </p:sld>
 </file>
 
-<file path=ppt/slides/slide18.xml><?xml version="1.0" encoding="utf-8"?>
+<file path=ppt/slides/slide19.xml><?xml version="1.0" encoding="utf-8"?>
 <p:sld xmlns:a="http://schemas.openxmlformats.org/drawingml/2006/main" xmlns:r="http://schemas.openxmlformats.org/officeDocument/2006/relationships" xmlns:p="http://schemas.openxmlformats.org/presentationml/2006/main">
   <p:cSld>
     <p:spTree>
@@ -23368,112 +23581,6 @@
     <p:extLst>
       <p:ext uri="{BB962C8B-B14F-4D97-AF65-F5344CB8AC3E}">
         <p14:creationId xmlns:p14="http://schemas.microsoft.com/office/powerpoint/2010/main" val="3288620339"/>
-      </p:ext>
-    </p:extLst>
-  </p:cSld>
-  <p:clrMapOvr>
-    <a:masterClrMapping/>
-  </p:clrMapOvr>
-</p:sld>
-</file>
-
-<file path=ppt/slides/slide19.xml><?xml version="1.0" encoding="utf-8"?>
-<p:sld xmlns:a="http://schemas.openxmlformats.org/drawingml/2006/main" xmlns:r="http://schemas.openxmlformats.org/officeDocument/2006/relationships" xmlns:p="http://schemas.openxmlformats.org/presentationml/2006/main">
-  <p:cSld>
-    <p:spTree>
-      <p:nvGrpSpPr>
-        <p:cNvPr id="1" name="">
-          <a:extLst>
-            <a:ext uri="{FF2B5EF4-FFF2-40B4-BE49-F238E27FC236}">
-              <a16:creationId xmlns:a16="http://schemas.microsoft.com/office/drawing/2014/main" id="{C92652AB-0CDA-361C-6289-F5A9185B0B93}"/>
-            </a:ext>
-          </a:extLst>
-        </p:cNvPr>
-        <p:cNvGrpSpPr/>
-        <p:nvPr/>
-      </p:nvGrpSpPr>
-      <p:grpSpPr>
-        <a:xfrm>
-          <a:off x="0" y="0"/>
-          <a:ext cx="0" cy="0"/>
-          <a:chOff x="0" y="0"/>
-          <a:chExt cx="0" cy="0"/>
-        </a:xfrm>
-      </p:grpSpPr>
-      <p:sp>
-        <p:nvSpPr>
-          <p:cNvPr id="2" name="Title 1">
-            <a:extLst>
-              <a:ext uri="{FF2B5EF4-FFF2-40B4-BE49-F238E27FC236}">
-                <a16:creationId xmlns:a16="http://schemas.microsoft.com/office/drawing/2014/main" id="{830F2561-5A96-A8C2-331E-273056425338}"/>
-              </a:ext>
-            </a:extLst>
-          </p:cNvPr>
-          <p:cNvSpPr>
-            <a:spLocks noGrp="1"/>
-          </p:cNvSpPr>
-          <p:nvPr>
-            <p:ph type="ctrTitle"/>
-          </p:nvPr>
-        </p:nvSpPr>
-        <p:spPr>
-          <a:xfrm>
-            <a:off x="550863" y="1444813"/>
-            <a:ext cx="4159160" cy="3155900"/>
-          </a:xfrm>
-          <a:noFill/>
-        </p:spPr>
-        <p:txBody>
-          <a:bodyPr vert="horz" wrap="square" lIns="91440" tIns="0" rIns="0" bIns="0" rtlCol="0" anchor="ctr" anchorCtr="0">
-            <a:noAutofit/>
-          </a:bodyPr>
-          <a:lstStyle/>
-          <a:p>
-            <a:pPr algn="ctr"/>
-            <a:r>
-              <a:rPr lang="en-US"/>
-              <a:t>Model Evaluation</a:t>
-            </a:r>
-          </a:p>
-        </p:txBody>
-      </p:sp>
-      <p:pic>
-        <p:nvPicPr>
-          <p:cNvPr id="7" name="Picture Placeholder 17" descr="A person drawing on a white board">
-            <a:extLst>
-              <a:ext uri="{FF2B5EF4-FFF2-40B4-BE49-F238E27FC236}">
-                <a16:creationId xmlns:a16="http://schemas.microsoft.com/office/drawing/2014/main" id="{5DBEEC15-8F53-F823-4B9B-55D1DB8025FE}"/>
-              </a:ext>
-            </a:extLst>
-          </p:cNvPr>
-          <p:cNvPicPr>
-            <a:picLocks noGrp="1" noChangeAspect="1"/>
-          </p:cNvPicPr>
-          <p:nvPr>
-            <p:ph type="pic" sz="quarter" idx="13"/>
-          </p:nvPr>
-        </p:nvPicPr>
-        <p:blipFill rotWithShape="1">
-          <a:blip r:embed="rId3" cstate="screen">
-            <a:extLst>
-              <a:ext uri="{28A0092B-C50C-407E-A947-70E740481C1C}">
-                <a14:useLocalDpi xmlns:a14="http://schemas.microsoft.com/office/drawing/2010/main" val="0"/>
-              </a:ext>
-            </a:extLst>
-          </a:blip>
-          <a:srcRect/>
-          <a:stretch/>
-        </p:blipFill>
-        <p:spPr>
-          <a:solidFill>
-            <a:schemeClr val="accent5"/>
-          </a:solidFill>
-        </p:spPr>
-      </p:pic>
-    </p:spTree>
-    <p:extLst>
-      <p:ext uri="{BB962C8B-B14F-4D97-AF65-F5344CB8AC3E}">
-        <p14:creationId xmlns:p14="http://schemas.microsoft.com/office/powerpoint/2010/main" val="4078406402"/>
       </p:ext>
     </p:extLst>
   </p:cSld>
@@ -23518,8 +23625,8 @@
         </p:nvSpPr>
         <p:spPr>
           <a:xfrm>
-            <a:off x="583519" y="498474"/>
-            <a:ext cx="7938649" cy="1014789"/>
+            <a:off x="583519" y="300919"/>
+            <a:ext cx="7929242" cy="939530"/>
           </a:xfrm>
         </p:spPr>
         <p:txBody>
@@ -23533,59 +23640,133 @@
               <a:rPr lang="en-US" sz="3600">
                 <a:latin typeface="Gill Sans MT"/>
               </a:rPr>
-              <a:t>DATASET AND OERVIEW</a:t>
+              <a:t>Library Used</a:t>
             </a:r>
-            <a:endParaRPr lang="en-US" sz="3600"/>
+            <a:endParaRPr lang="en-US" sz="3600" dirty="0">
+              <a:latin typeface="Gill Sans MT"/>
+            </a:endParaRPr>
           </a:p>
         </p:txBody>
       </p:sp>
-      <p:sp>
-        <p:nvSpPr>
-          <p:cNvPr id="3" name="Content Placeholder 2">
-            <a:extLst>
-              <a:ext uri="{FF2B5EF4-FFF2-40B4-BE49-F238E27FC236}">
-                <a16:creationId xmlns:a16="http://schemas.microsoft.com/office/drawing/2014/main" id="{1C6744DD-5BC8-42C8-4313-13CE95ED575B}"/>
-              </a:ext>
-            </a:extLst>
-          </p:cNvPr>
-          <p:cNvSpPr>
-            <a:spLocks noGrp="1"/>
-          </p:cNvSpPr>
+      <p:pic>
+        <p:nvPicPr>
+          <p:cNvPr id="4" name="Content Placeholder 3" descr="A logo of a bear&#10;&#10;AI-generated content may be incorrect.">
+            <a:extLst>
+              <a:ext uri="{FF2B5EF4-FFF2-40B4-BE49-F238E27FC236}">
+                <a16:creationId xmlns:a16="http://schemas.microsoft.com/office/drawing/2014/main" id="{DB5322AF-FCCE-868C-7AA1-5B4624794FF6}"/>
+              </a:ext>
+            </a:extLst>
+          </p:cNvPr>
+          <p:cNvPicPr>
+            <a:picLocks noGrp="1" noChangeAspect="1"/>
+          </p:cNvPicPr>
           <p:nvPr>
             <p:ph idx="1"/>
           </p:nvPr>
-        </p:nvSpPr>
+        </p:nvPicPr>
+        <p:blipFill>
+          <a:blip r:embed="rId3"/>
+          <a:stretch>
+            <a:fillRect/>
+          </a:stretch>
+        </p:blipFill>
         <p:spPr>
           <a:xfrm>
-            <a:off x="581343" y="1711154"/>
-            <a:ext cx="7929940" cy="4371510"/>
+            <a:off x="583207" y="1238317"/>
+            <a:ext cx="2705100" cy="1685925"/>
           </a:xfrm>
         </p:spPr>
-        <p:txBody>
-          <a:bodyPr vert="horz" wrap="square" lIns="0" tIns="0" rIns="0" bIns="0" rtlCol="0" anchor="t">
-            <a:normAutofit/>
-          </a:bodyPr>
-          <a:lstStyle/>
-          <a:p>
-            <a:r>
-              <a:rPr lang="en-US"/>
-              <a:t>The dataset has taken from The Canadian Institute for Cybersecurity (CIC) generate the dataset in collaboration with The Communications Security Establishment (CSE) of network events, some benign and other malicious. </a:t>
-            </a:r>
-          </a:p>
-          <a:p>
-            <a:r>
-              <a:rPr lang="en-US"/>
-              <a:t>By using CICFlowMeter-V3, around 80 network traffic features were extracted from each attack.</a:t>
-            </a:r>
-          </a:p>
-          <a:p>
-            <a:r>
-              <a:rPr lang="en-US"/>
-              <a:t>The goal of this project is to use this dataset to identify cybersecurity threats and furthermore to classify threat with as much accuracy as possible using machine learning</a:t>
-            </a:r>
-          </a:p>
-        </p:txBody>
-      </p:sp>
+      </p:pic>
+      <p:pic>
+        <p:nvPicPr>
+          <p:cNvPr id="5" name="Picture 4" descr="A logo of a company&#10;&#10;AI-generated content may be incorrect.">
+            <a:extLst>
+              <a:ext uri="{FF2B5EF4-FFF2-40B4-BE49-F238E27FC236}">
+                <a16:creationId xmlns:a16="http://schemas.microsoft.com/office/drawing/2014/main" id="{EF8CA671-668F-BDC0-2C69-DEAD215EDD1A}"/>
+              </a:ext>
+            </a:extLst>
+          </p:cNvPr>
+          <p:cNvPicPr>
+            <a:picLocks noChangeAspect="1"/>
+          </p:cNvPicPr>
+          <p:nvPr/>
+        </p:nvPicPr>
+        <p:blipFill>
+          <a:blip r:embed="rId4"/>
+          <a:stretch>
+            <a:fillRect/>
+          </a:stretch>
+        </p:blipFill>
+        <p:spPr>
+          <a:xfrm>
+            <a:off x="866363" y="3269956"/>
+            <a:ext cx="2143125" cy="2143125"/>
+          </a:xfrm>
+          <a:prstGeom prst="rect">
+            <a:avLst/>
+          </a:prstGeom>
+        </p:spPr>
+      </p:pic>
+      <p:pic>
+        <p:nvPicPr>
+          <p:cNvPr id="6" name="Picture 5">
+            <a:extLst>
+              <a:ext uri="{FF2B5EF4-FFF2-40B4-BE49-F238E27FC236}">
+                <a16:creationId xmlns:a16="http://schemas.microsoft.com/office/drawing/2014/main" id="{4A19E2E8-F716-0075-883C-A070092D035F}"/>
+              </a:ext>
+            </a:extLst>
+          </p:cNvPr>
+          <p:cNvPicPr>
+            <a:picLocks noChangeAspect="1"/>
+          </p:cNvPicPr>
+          <p:nvPr/>
+        </p:nvPicPr>
+        <p:blipFill>
+          <a:blip r:embed="rId5"/>
+          <a:stretch>
+            <a:fillRect/>
+          </a:stretch>
+        </p:blipFill>
+        <p:spPr>
+          <a:xfrm>
+            <a:off x="4543425" y="1350316"/>
+            <a:ext cx="3105150" cy="1466850"/>
+          </a:xfrm>
+          <a:prstGeom prst="rect">
+            <a:avLst/>
+          </a:prstGeom>
+        </p:spPr>
+      </p:pic>
+      <p:pic>
+        <p:nvPicPr>
+          <p:cNvPr id="7" name="Picture 6" descr="A blue and white logo&#10;&#10;AI-generated content may be incorrect.">
+            <a:extLst>
+              <a:ext uri="{FF2B5EF4-FFF2-40B4-BE49-F238E27FC236}">
+                <a16:creationId xmlns:a16="http://schemas.microsoft.com/office/drawing/2014/main" id="{939C43EE-850E-4863-8573-9DD35D20032A}"/>
+              </a:ext>
+            </a:extLst>
+          </p:cNvPr>
+          <p:cNvPicPr>
+            <a:picLocks noChangeAspect="1"/>
+          </p:cNvPicPr>
+          <p:nvPr/>
+        </p:nvPicPr>
+        <p:blipFill>
+          <a:blip r:embed="rId6"/>
+          <a:stretch>
+            <a:fillRect/>
+          </a:stretch>
+        </p:blipFill>
+        <p:spPr>
+          <a:xfrm>
+            <a:off x="4095750" y="3770019"/>
+            <a:ext cx="4000500" cy="1143000"/>
+          </a:xfrm>
+          <a:prstGeom prst="rect">
+            <a:avLst/>
+          </a:prstGeom>
+        </p:spPr>
+      </p:pic>
     </p:spTree>
     <p:extLst>
       <p:ext uri="{BB962C8B-B14F-4D97-AF65-F5344CB8AC3E}">
@@ -23600,6 +23781,112 @@
 </file>
 
 <file path=ppt/slides/slide20.xml><?xml version="1.0" encoding="utf-8"?>
+<p:sld xmlns:a="http://schemas.openxmlformats.org/drawingml/2006/main" xmlns:r="http://schemas.openxmlformats.org/officeDocument/2006/relationships" xmlns:p="http://schemas.openxmlformats.org/presentationml/2006/main">
+  <p:cSld>
+    <p:spTree>
+      <p:nvGrpSpPr>
+        <p:cNvPr id="1" name="">
+          <a:extLst>
+            <a:ext uri="{FF2B5EF4-FFF2-40B4-BE49-F238E27FC236}">
+              <a16:creationId xmlns:a16="http://schemas.microsoft.com/office/drawing/2014/main" id="{C92652AB-0CDA-361C-6289-F5A9185B0B93}"/>
+            </a:ext>
+          </a:extLst>
+        </p:cNvPr>
+        <p:cNvGrpSpPr/>
+        <p:nvPr/>
+      </p:nvGrpSpPr>
+      <p:grpSpPr>
+        <a:xfrm>
+          <a:off x="0" y="0"/>
+          <a:ext cx="0" cy="0"/>
+          <a:chOff x="0" y="0"/>
+          <a:chExt cx="0" cy="0"/>
+        </a:xfrm>
+      </p:grpSpPr>
+      <p:sp>
+        <p:nvSpPr>
+          <p:cNvPr id="2" name="Title 1">
+            <a:extLst>
+              <a:ext uri="{FF2B5EF4-FFF2-40B4-BE49-F238E27FC236}">
+                <a16:creationId xmlns:a16="http://schemas.microsoft.com/office/drawing/2014/main" id="{830F2561-5A96-A8C2-331E-273056425338}"/>
+              </a:ext>
+            </a:extLst>
+          </p:cNvPr>
+          <p:cNvSpPr>
+            <a:spLocks noGrp="1"/>
+          </p:cNvSpPr>
+          <p:nvPr>
+            <p:ph type="ctrTitle"/>
+          </p:nvPr>
+        </p:nvSpPr>
+        <p:spPr>
+          <a:xfrm>
+            <a:off x="550863" y="1444813"/>
+            <a:ext cx="4159160" cy="3155900"/>
+          </a:xfrm>
+          <a:noFill/>
+        </p:spPr>
+        <p:txBody>
+          <a:bodyPr vert="horz" wrap="square" lIns="91440" tIns="0" rIns="0" bIns="0" rtlCol="0" anchor="ctr" anchorCtr="0">
+            <a:noAutofit/>
+          </a:bodyPr>
+          <a:lstStyle/>
+          <a:p>
+            <a:pPr algn="ctr"/>
+            <a:r>
+              <a:rPr lang="en-US"/>
+              <a:t>Model Evaluation</a:t>
+            </a:r>
+          </a:p>
+        </p:txBody>
+      </p:sp>
+      <p:pic>
+        <p:nvPicPr>
+          <p:cNvPr id="7" name="Picture Placeholder 17" descr="A person drawing on a white board">
+            <a:extLst>
+              <a:ext uri="{FF2B5EF4-FFF2-40B4-BE49-F238E27FC236}">
+                <a16:creationId xmlns:a16="http://schemas.microsoft.com/office/drawing/2014/main" id="{5DBEEC15-8F53-F823-4B9B-55D1DB8025FE}"/>
+              </a:ext>
+            </a:extLst>
+          </p:cNvPr>
+          <p:cNvPicPr>
+            <a:picLocks noGrp="1" noChangeAspect="1"/>
+          </p:cNvPicPr>
+          <p:nvPr>
+            <p:ph type="pic" sz="quarter" idx="13"/>
+          </p:nvPr>
+        </p:nvPicPr>
+        <p:blipFill rotWithShape="1">
+          <a:blip r:embed="rId3" cstate="screen">
+            <a:extLst>
+              <a:ext uri="{28A0092B-C50C-407E-A947-70E740481C1C}">
+                <a14:useLocalDpi xmlns:a14="http://schemas.microsoft.com/office/drawing/2010/main" val="0"/>
+              </a:ext>
+            </a:extLst>
+          </a:blip>
+          <a:srcRect/>
+          <a:stretch/>
+        </p:blipFill>
+        <p:spPr>
+          <a:solidFill>
+            <a:schemeClr val="accent5"/>
+          </a:solidFill>
+        </p:spPr>
+      </p:pic>
+    </p:spTree>
+    <p:extLst>
+      <p:ext uri="{BB962C8B-B14F-4D97-AF65-F5344CB8AC3E}">
+        <p14:creationId xmlns:p14="http://schemas.microsoft.com/office/powerpoint/2010/main" val="4078406402"/>
+      </p:ext>
+    </p:extLst>
+  </p:cSld>
+  <p:clrMapOvr>
+    <a:masterClrMapping/>
+  </p:clrMapOvr>
+</p:sld>
+</file>
+
+<file path=ppt/slides/slide21.xml><?xml version="1.0" encoding="utf-8"?>
 <p:sld xmlns:a="http://schemas.openxmlformats.org/drawingml/2006/main" xmlns:r="http://schemas.openxmlformats.org/officeDocument/2006/relationships" xmlns:p="http://schemas.openxmlformats.org/presentationml/2006/main">
   <p:cSld>
     <p:spTree>
@@ -23664,7 +23951,7 @@
 </p:sld>
 </file>
 
-<file path=ppt/slides/slide21.xml><?xml version="1.0" encoding="utf-8"?>
+<file path=ppt/slides/slide22.xml><?xml version="1.0" encoding="utf-8"?>
 <p:sld xmlns:a="http://schemas.openxmlformats.org/drawingml/2006/main" xmlns:r="http://schemas.openxmlformats.org/officeDocument/2006/relationships" xmlns:p="http://schemas.openxmlformats.org/presentationml/2006/main">
   <p:cSld>
     <p:spTree>
@@ -23729,7 +24016,7 @@
 </p:sld>
 </file>
 
-<file path=ppt/slides/slide22.xml><?xml version="1.0" encoding="utf-8"?>
+<file path=ppt/slides/slide23.xml><?xml version="1.0" encoding="utf-8"?>
 <p:sld xmlns:a="http://schemas.openxmlformats.org/drawingml/2006/main" xmlns:r="http://schemas.openxmlformats.org/officeDocument/2006/relationships" xmlns:p="http://schemas.openxmlformats.org/presentationml/2006/main">
   <p:cSld>
     <p:spTree>
@@ -23794,7 +24081,7 @@
 </p:sld>
 </file>
 
-<file path=ppt/slides/slide23.xml><?xml version="1.0" encoding="utf-8"?>
+<file path=ppt/slides/slide24.xml><?xml version="1.0" encoding="utf-8"?>
 <p:sld xmlns:a="http://schemas.openxmlformats.org/drawingml/2006/main" xmlns:r="http://schemas.openxmlformats.org/officeDocument/2006/relationships" xmlns:p="http://schemas.openxmlformats.org/presentationml/2006/main">
   <p:cSld>
     <p:spTree>
@@ -23900,7 +24187,7 @@
 </p:sld>
 </file>
 
-<file path=ppt/slides/slide24.xml><?xml version="1.0" encoding="utf-8"?>
+<file path=ppt/slides/slide25.xml><?xml version="1.0" encoding="utf-8"?>
 <p:sld xmlns:a="http://schemas.openxmlformats.org/drawingml/2006/main" xmlns:r="http://schemas.openxmlformats.org/officeDocument/2006/relationships" xmlns:p="http://schemas.openxmlformats.org/presentationml/2006/main">
   <p:cSld>
     <p:spTree>
@@ -23966,7 +24253,7 @@
 </p:sld>
 </file>
 
-<file path=ppt/slides/slide25.xml><?xml version="1.0" encoding="utf-8"?>
+<file path=ppt/slides/slide26.xml><?xml version="1.0" encoding="utf-8"?>
 <p:sld xmlns:a="http://schemas.openxmlformats.org/drawingml/2006/main" xmlns:r="http://schemas.openxmlformats.org/officeDocument/2006/relationships" xmlns:p="http://schemas.openxmlformats.org/presentationml/2006/main">
   <p:cSld>
     <p:spTree>
@@ -24061,7 +24348,7 @@
 </p:sld>
 </file>
 
-<file path=ppt/slides/slide26.xml><?xml version="1.0" encoding="utf-8"?>
+<file path=ppt/slides/slide27.xml><?xml version="1.0" encoding="utf-8"?>
 <p:sld xmlns:a="http://schemas.openxmlformats.org/drawingml/2006/main" xmlns:r="http://schemas.openxmlformats.org/officeDocument/2006/relationships" xmlns:p="http://schemas.openxmlformats.org/presentationml/2006/main">
   <p:cSld>
     <p:spTree>
@@ -24099,14 +24386,14 @@
           <p:nvPr>
             <p:extLst>
               <p:ext uri="{D42A27DB-BD31-4B8C-83A1-F6EECF244321}">
-                <p14:modId xmlns:p14="http://schemas.microsoft.com/office/powerpoint/2010/main" val="3873457692"/>
+                <p14:modId xmlns:p14="http://schemas.microsoft.com/office/powerpoint/2010/main" val="3430989073"/>
               </p:ext>
             </p:extLst>
           </p:nvPr>
         </p:nvGraphicFramePr>
         <p:xfrm>
-          <a:off x="2011680" y="1870080"/>
-          <a:ext cx="8168640" cy="3114040"/>
+          <a:off x="1932608" y="1866347"/>
+          <a:ext cx="8242842" cy="3484879"/>
         </p:xfrm>
         <a:graphic>
           <a:graphicData uri="http://schemas.openxmlformats.org/drawingml/2006/table">
@@ -24115,42 +24402,42 @@
                 <a:tableStyleId>{72833802-FEF1-4C79-8D5D-14CF1EAF98D9}</a:tableStyleId>
               </a:tblPr>
               <a:tblGrid>
-                <a:gridCol w="1361440">
+                <a:gridCol w="1435652">
                   <a:extLst>
                     <a:ext uri="{9D8B030D-6E8A-4147-A177-3AD203B41FA5}">
                       <a16:colId xmlns:a16="http://schemas.microsoft.com/office/drawing/2014/main" val="598007602"/>
                     </a:ext>
                   </a:extLst>
                 </a:gridCol>
-                <a:gridCol w="1361440">
+                <a:gridCol w="1361438">
                   <a:extLst>
                     <a:ext uri="{9D8B030D-6E8A-4147-A177-3AD203B41FA5}">
                       <a16:colId xmlns:a16="http://schemas.microsoft.com/office/drawing/2014/main" val="3404751429"/>
                     </a:ext>
                   </a:extLst>
                 </a:gridCol>
-                <a:gridCol w="1361440">
+                <a:gridCol w="1361438">
                   <a:extLst>
                     <a:ext uri="{9D8B030D-6E8A-4147-A177-3AD203B41FA5}">
                       <a16:colId xmlns:a16="http://schemas.microsoft.com/office/drawing/2014/main" val="3094322793"/>
                     </a:ext>
                   </a:extLst>
                 </a:gridCol>
-                <a:gridCol w="1361440">
+                <a:gridCol w="1361438">
                   <a:extLst>
                     <a:ext uri="{9D8B030D-6E8A-4147-A177-3AD203B41FA5}">
                       <a16:colId xmlns:a16="http://schemas.microsoft.com/office/drawing/2014/main" val="4177477648"/>
                     </a:ext>
                   </a:extLst>
                 </a:gridCol>
-                <a:gridCol w="1361440">
+                <a:gridCol w="1361438">
                   <a:extLst>
                     <a:ext uri="{9D8B030D-6E8A-4147-A177-3AD203B41FA5}">
                       <a16:colId xmlns:a16="http://schemas.microsoft.com/office/drawing/2014/main" val="1452379072"/>
                     </a:ext>
                   </a:extLst>
                 </a:gridCol>
-                <a:gridCol w="1361440">
+                <a:gridCol w="1361438">
                   <a:extLst>
                     <a:ext uri="{9D8B030D-6E8A-4147-A177-3AD203B41FA5}">
                       <a16:colId xmlns:a16="http://schemas.microsoft.com/office/drawing/2014/main" val="2461285547"/>
@@ -24741,7 +25028,11 @@
                       <a:pPr lvl="0">
                         <a:buNone/>
                       </a:pPr>
-                      <a:endParaRPr lang="en-US" dirty="0"/>
+                      <a:endParaRPr lang="en-US" dirty="0">
+                        <a:solidFill>
+                          <a:schemeClr val="tx1"/>
+                        </a:solidFill>
+                      </a:endParaRPr>
                     </a:p>
                   </a:txBody>
                   <a:tcPr/>
@@ -24887,7 +25178,7 @@
                         <a:buNone/>
                       </a:pPr>
                       <a:r>
-                        <a:rPr lang="en-US" sz="1800" b="0" i="0" u="none" strike="noStrike" noProof="0">
+                        <a:rPr lang="en-US" sz="1800" b="0" i="0" u="none" strike="noStrike" noProof="0" dirty="0">
                           <a:solidFill>
                             <a:schemeClr val="tx2"/>
                           </a:solidFill>
@@ -24895,7 +25186,7 @@
                         </a:rPr>
                         <a:t>0.988108</a:t>
                       </a:r>
-                      <a:endParaRPr lang="en-US" sz="1800" b="0" i="0" u="none" strike="noStrike" noProof="0">
+                      <a:endParaRPr lang="en-US" sz="1800" b="0" i="0" u="none" strike="noStrike" noProof="0" dirty="0">
                         <a:solidFill>
                           <a:srgbClr val="000000"/>
                         </a:solidFill>
@@ -24917,6 +25208,133 @@
                   </a:ext>
                 </a:extLst>
               </a:tr>
+              <a:tr h="370839">
+                <a:tc>
+                  <a:txBody>
+                    <a:bodyPr/>
+                    <a:lstStyle/>
+                    <a:p>
+                      <a:pPr lvl="0">
+                        <a:buNone/>
+                      </a:pPr>
+                      <a:r>
+                        <a:rPr lang="en-US" dirty="0">
+                          <a:solidFill>
+                            <a:schemeClr val="tx1"/>
+                          </a:solidFill>
+                        </a:rPr>
+                        <a:t>SVM</a:t>
+                      </a:r>
+                    </a:p>
+                  </a:txBody>
+                  <a:tcPr/>
+                </a:tc>
+                <a:tc>
+                  <a:txBody>
+                    <a:bodyPr/>
+                    <a:lstStyle/>
+                    <a:p>
+                      <a:pPr lvl="0">
+                        <a:buNone/>
+                      </a:pPr>
+                      <a:r>
+                        <a:rPr lang="en-US" dirty="0">
+                          <a:solidFill>
+                            <a:schemeClr val="tx1"/>
+                          </a:solidFill>
+                        </a:rPr>
+                        <a:t>0.951688</a:t>
+                      </a:r>
+                    </a:p>
+                  </a:txBody>
+                  <a:tcPr/>
+                </a:tc>
+                <a:tc>
+                  <a:txBody>
+                    <a:bodyPr/>
+                    <a:lstStyle/>
+                    <a:p>
+                      <a:pPr lvl="0">
+                        <a:buNone/>
+                      </a:pPr>
+                      <a:r>
+                        <a:rPr lang="en-US" dirty="0">
+                          <a:solidFill>
+                            <a:schemeClr val="tx1"/>
+                          </a:solidFill>
+                        </a:rPr>
+                        <a:t>0.956797</a:t>
+                      </a:r>
+                    </a:p>
+                  </a:txBody>
+                  <a:tcPr/>
+                </a:tc>
+                <a:tc>
+                  <a:txBody>
+                    <a:bodyPr/>
+                    <a:lstStyle/>
+                    <a:p>
+                      <a:pPr lvl="0">
+                        <a:buNone/>
+                      </a:pPr>
+                      <a:r>
+                        <a:rPr lang="en-US" dirty="0">
+                          <a:solidFill>
+                            <a:schemeClr val="tx1"/>
+                          </a:solidFill>
+                        </a:rPr>
+                        <a:t>0.951317</a:t>
+                      </a:r>
+                    </a:p>
+                  </a:txBody>
+                  <a:tcPr/>
+                </a:tc>
+                <a:tc>
+                  <a:txBody>
+                    <a:bodyPr/>
+                    <a:lstStyle/>
+                    <a:p>
+                      <a:pPr lvl="0">
+                        <a:buNone/>
+                      </a:pPr>
+                      <a:r>
+                        <a:rPr lang="en-US" dirty="0">
+                          <a:solidFill>
+                            <a:schemeClr val="tx1"/>
+                          </a:solidFill>
+                        </a:rPr>
+                        <a:t>0.954049</a:t>
+                      </a:r>
+                    </a:p>
+                  </a:txBody>
+                  <a:tcPr/>
+                </a:tc>
+                <a:tc>
+                  <a:txBody>
+                    <a:bodyPr/>
+                    <a:lstStyle/>
+                    <a:p>
+                      <a:pPr lvl="0">
+                        <a:buNone/>
+                      </a:pPr>
+                      <a:r>
+                        <a:rPr lang="en-US" dirty="0">
+                          <a:solidFill>
+                            <a:schemeClr val="tx1"/>
+                          </a:solidFill>
+                        </a:rPr>
+                        <a:t>0.979258</a:t>
+                      </a:r>
+                    </a:p>
+                  </a:txBody>
+                  <a:tcPr/>
+                </a:tc>
+                <a:extLst>
+                  <a:ext uri="{0D108BD9-81ED-4DB2-BD59-A6C34878D82A}">
+                    <a16:rowId xmlns:a16="http://schemas.microsoft.com/office/drawing/2014/main" val="731615739"/>
+                  </a:ext>
+                </a:extLst>
+              </a:tr>
             </a:tbl>
           </a:graphicData>
         </a:graphic>
@@ -24934,7 +25352,7 @@
 </p:sld>
 </file>
 
-<file path=ppt/slides/slide27.xml><?xml version="1.0" encoding="utf-8"?>
+<file path=ppt/slides/slide28.xml><?xml version="1.0" encoding="utf-8"?>
 <p:sld xmlns:a="http://schemas.openxmlformats.org/drawingml/2006/main" xmlns:r="http://schemas.openxmlformats.org/officeDocument/2006/relationships" xmlns:p="http://schemas.openxmlformats.org/presentationml/2006/main">
   <p:cSld>
     <p:spTree>
@@ -25040,7 +25458,7 @@
 </p:sld>
 </file>
 
-<file path=ppt/slides/slide28.xml><?xml version="1.0" encoding="utf-8"?>
+<file path=ppt/slides/slide29.xml><?xml version="1.0" encoding="utf-8"?>
 <p:sld xmlns:a="http://schemas.openxmlformats.org/drawingml/2006/main" xmlns:r="http://schemas.openxmlformats.org/officeDocument/2006/relationships" xmlns:p="http://schemas.openxmlformats.org/presentationml/2006/main">
   <p:cSld>
     <p:spTree>
@@ -25105,7 +25523,7 @@
 </p:sld>
 </file>
 
-<file path=ppt/slides/slide29.xml><?xml version="1.0" encoding="utf-8"?>
+<file path=ppt/slides/slide3.xml><?xml version="1.0" encoding="utf-8"?>
 <p:sld xmlns:a="http://schemas.openxmlformats.org/drawingml/2006/main" xmlns:r="http://schemas.openxmlformats.org/officeDocument/2006/relationships" xmlns:p="http://schemas.openxmlformats.org/presentationml/2006/main">
   <p:cSld>
     <p:spTree>
@@ -25113,7 +25531,7 @@
         <p:cNvPr id="1" name="">
           <a:extLst>
             <a:ext uri="{FF2B5EF4-FFF2-40B4-BE49-F238E27FC236}">
-              <a16:creationId xmlns:a16="http://schemas.microsoft.com/office/drawing/2014/main" id="{2C36989E-FA1A-B7C6-CD6E-65A00EFCAEA5}"/>
+              <a16:creationId xmlns:a16="http://schemas.microsoft.com/office/drawing/2014/main" id="{659E1C2B-0061-0C59-D6D9-ADEC465CD5BD}"/>
             </a:ext>
           </a:extLst>
         </p:cNvPr>
@@ -25133,142 +25551,7 @@
           <p:cNvPr id="2" name="Title 1">
             <a:extLst>
               <a:ext uri="{FF2B5EF4-FFF2-40B4-BE49-F238E27FC236}">
-                <a16:creationId xmlns:a16="http://schemas.microsoft.com/office/drawing/2014/main" id="{0F868157-F08D-DBE3-E841-12C7B0572B3B}"/>
-              </a:ext>
-            </a:extLst>
-          </p:cNvPr>
-          <p:cNvSpPr>
-            <a:spLocks noGrp="1"/>
-          </p:cNvSpPr>
-          <p:nvPr>
-            <p:ph type="ctrTitle"/>
-          </p:nvPr>
-        </p:nvSpPr>
-        <p:spPr>
-          <a:noFill/>
-        </p:spPr>
-        <p:txBody>
-          <a:bodyPr>
-            <a:noAutofit/>
-          </a:bodyPr>
-          <a:lstStyle/>
-          <a:p>
-            <a:r>
-              <a:rPr lang="en-US" dirty="0"/>
-              <a:t>Overcoming nervousness</a:t>
-            </a:r>
-          </a:p>
-        </p:txBody>
-      </p:sp>
-      <p:sp>
-        <p:nvSpPr>
-          <p:cNvPr id="3" name="Subtitle 2">
-            <a:extLst>
-              <a:ext uri="{FF2B5EF4-FFF2-40B4-BE49-F238E27FC236}">
-                <a16:creationId xmlns:a16="http://schemas.microsoft.com/office/drawing/2014/main" id="{FFA30008-C6E9-5052-8A57-43BF5823E114}"/>
-              </a:ext>
-            </a:extLst>
-          </p:cNvPr>
-          <p:cNvSpPr>
-            <a:spLocks noGrp="1"/>
-          </p:cNvSpPr>
-          <p:nvPr>
-            <p:ph type="subTitle" idx="1"/>
-          </p:nvPr>
-        </p:nvSpPr>
-        <p:spPr>
-          <a:xfrm>
-            <a:off x="547271" y="3505200"/>
-            <a:ext cx="3526889" cy="2352356"/>
-          </a:xfrm>
-          <a:noFill/>
-        </p:spPr>
-        <p:txBody>
-          <a:bodyPr/>
-          <a:lstStyle/>
-          <a:p>
-            <a:r>
-              <a:rPr lang="en-US" dirty="0"/>
-              <a:t>Confidence-building strategies</a:t>
-            </a:r>
-          </a:p>
-        </p:txBody>
-      </p:sp>
-      <p:pic>
-        <p:nvPicPr>
-          <p:cNvPr id="7" name="Picture Placeholder 17" descr="A person drawing on a white board">
-            <a:extLst>
-              <a:ext uri="{FF2B5EF4-FFF2-40B4-BE49-F238E27FC236}">
-                <a16:creationId xmlns:a16="http://schemas.microsoft.com/office/drawing/2014/main" id="{17F42708-D56B-1843-5DEA-AF8D23669E58}"/>
-              </a:ext>
-            </a:extLst>
-          </p:cNvPr>
-          <p:cNvPicPr>
-            <a:picLocks noGrp="1" noChangeAspect="1"/>
-          </p:cNvPicPr>
-          <p:nvPr>
-            <p:ph type="pic" sz="quarter" idx="13"/>
-          </p:nvPr>
-        </p:nvPicPr>
-        <p:blipFill rotWithShape="1">
-          <a:blip r:embed="rId3" cstate="screen">
-            <a:extLst>
-              <a:ext uri="{28A0092B-C50C-407E-A947-70E740481C1C}">
-                <a14:useLocalDpi xmlns:a14="http://schemas.microsoft.com/office/drawing/2010/main" val="0"/>
-              </a:ext>
-            </a:extLst>
-          </a:blip>
-          <a:srcRect/>
-          <a:stretch/>
-        </p:blipFill>
-        <p:spPr>
-          <a:solidFill>
-            <a:schemeClr val="accent5"/>
-          </a:solidFill>
-        </p:spPr>
-      </p:pic>
-    </p:spTree>
-    <p:extLst>
-      <p:ext uri="{BB962C8B-B14F-4D97-AF65-F5344CB8AC3E}">
-        <p14:creationId xmlns:p14="http://schemas.microsoft.com/office/powerpoint/2010/main" val="3200442165"/>
-      </p:ext>
-    </p:extLst>
-  </p:cSld>
-  <p:clrMapOvr>
-    <a:masterClrMapping/>
-  </p:clrMapOvr>
-</p:sld>
-</file>
-
-<file path=ppt/slides/slide3.xml><?xml version="1.0" encoding="utf-8"?>
-<p:sld xmlns:a="http://schemas.openxmlformats.org/drawingml/2006/main" xmlns:r="http://schemas.openxmlformats.org/officeDocument/2006/relationships" xmlns:p="http://schemas.openxmlformats.org/presentationml/2006/main">
-  <p:cSld>
-    <p:spTree>
-      <p:nvGrpSpPr>
-        <p:cNvPr id="1" name="">
-          <a:extLst>
-            <a:ext uri="{FF2B5EF4-FFF2-40B4-BE49-F238E27FC236}">
-              <a16:creationId xmlns:a16="http://schemas.microsoft.com/office/drawing/2014/main" id="{EB6423E8-D669-36C5-60D3-5EB7AB479CDD}"/>
-            </a:ext>
-          </a:extLst>
-        </p:cNvPr>
-        <p:cNvGrpSpPr/>
-        <p:nvPr/>
-      </p:nvGrpSpPr>
-      <p:grpSpPr>
-        <a:xfrm>
-          <a:off x="0" y="0"/>
-          <a:ext cx="0" cy="0"/>
-          <a:chOff x="0" y="0"/>
-          <a:chExt cx="0" cy="0"/>
-        </a:xfrm>
-      </p:grpSpPr>
-      <p:sp>
-        <p:nvSpPr>
-          <p:cNvPr id="2" name="Title 1">
-            <a:extLst>
-              <a:ext uri="{FF2B5EF4-FFF2-40B4-BE49-F238E27FC236}">
-                <a16:creationId xmlns:a16="http://schemas.microsoft.com/office/drawing/2014/main" id="{0AF5853D-8025-CA2F-66B6-FB8E4F4E8B05}"/>
+                <a16:creationId xmlns:a16="http://schemas.microsoft.com/office/drawing/2014/main" id="{4B881862-D596-2F71-A2F9-9407772B935E}"/>
               </a:ext>
             </a:extLst>
           </p:cNvPr>
@@ -25281,8 +25564,8 @@
         </p:nvSpPr>
         <p:spPr>
           <a:xfrm>
-            <a:off x="579437" y="498474"/>
-            <a:ext cx="7931846" cy="1031117"/>
+            <a:off x="583519" y="498474"/>
+            <a:ext cx="7938649" cy="1014789"/>
           </a:xfrm>
         </p:spPr>
         <p:txBody>
@@ -25293,9 +25576,12 @@
           <a:p>
             <a:pPr algn="ctr"/>
             <a:r>
-              <a:rPr lang="en-US"/>
-              <a:t>Why is this valuable</a:t>
+              <a:rPr lang="en-US" sz="3600">
+                <a:latin typeface="Gill Sans MT"/>
+              </a:rPr>
+              <a:t>DATASET AND OERVIEW</a:t>
             </a:r>
+            <a:endParaRPr lang="en-US" sz="3600"/>
           </a:p>
         </p:txBody>
       </p:sp>
@@ -25304,7 +25590,7 @@
           <p:cNvPr id="3" name="Content Placeholder 2">
             <a:extLst>
               <a:ext uri="{FF2B5EF4-FFF2-40B4-BE49-F238E27FC236}">
-                <a16:creationId xmlns:a16="http://schemas.microsoft.com/office/drawing/2014/main" id="{561DE69C-AFAD-D2C5-2835-54DB2BF79A6D}"/>
+                <a16:creationId xmlns:a16="http://schemas.microsoft.com/office/drawing/2014/main" id="{9B591C4E-C68D-18B0-A1E2-78FA85233661}"/>
               </a:ext>
             </a:extLst>
           </p:cNvPr>
@@ -25317,8 +25603,8 @@
         </p:nvSpPr>
         <p:spPr>
           <a:xfrm>
-            <a:off x="581343" y="1702989"/>
-            <a:ext cx="7929940" cy="4379675"/>
+            <a:off x="581343" y="1711154"/>
+            <a:ext cx="7929940" cy="4371510"/>
           </a:xfrm>
         </p:spPr>
         <p:txBody>
@@ -25329,15 +25615,19 @@
           <a:p>
             <a:r>
               <a:rPr lang="en-US"/>
-              <a:t>This product is valuable in a variety of cybersecurity scenarios. It can be used by companies who wish to monitor their own machines, or those of clients, for malicious activity. In addition to being able to identify malicious activity, users will be able to determine which types of attacks are </a:t>
+              <a:t>The dataset has taken from The Canadian Institute for Cybersecurity (CIC) generate the dataset in collaboration with The Communications Security Establishment (CSE) of network events, some benign and other malicious. </a:t>
             </a:r>
-            <a:r>
-              <a:rPr lang="en-US" err="1"/>
-              <a:t>occuring</a:t>
-            </a:r>
+          </a:p>
+          <a:p>
             <a:r>
               <a:rPr lang="en-US"/>
-              <a:t> in order to implement countermeasures tailored to those attacks.</a:t>
+              <a:t>By using CICFlowMeter-V3, around 80 network traffic features were extracted from each attack.</a:t>
+            </a:r>
+          </a:p>
+          <a:p>
+            <a:r>
+              <a:rPr lang="en-US"/>
+              <a:t>The goal of this project is to use this dataset to identify cybersecurity threats and furthermore to classify threat with as much accuracy as possible using machine learning</a:t>
             </a:r>
           </a:p>
         </p:txBody>
@@ -25345,7 +25635,7 @@
     </p:spTree>
     <p:extLst>
       <p:ext uri="{BB962C8B-B14F-4D97-AF65-F5344CB8AC3E}">
-        <p14:creationId xmlns:p14="http://schemas.microsoft.com/office/powerpoint/2010/main" val="3235739081"/>
+        <p14:creationId xmlns:p14="http://schemas.microsoft.com/office/powerpoint/2010/main" val="1733219521"/>
       </p:ext>
     </p:extLst>
   </p:cSld>
@@ -25456,7 +25746,13 @@
   <p:cSld>
     <p:spTree>
       <p:nvGrpSpPr>
-        <p:cNvPr id="1" name=""/>
+        <p:cNvPr id="1" name="">
+          <a:extLst>
+            <a:ext uri="{FF2B5EF4-FFF2-40B4-BE49-F238E27FC236}">
+              <a16:creationId xmlns:a16="http://schemas.microsoft.com/office/drawing/2014/main" id="{EB6423E8-D669-36C5-60D3-5EB7AB479CDD}"/>
+            </a:ext>
+          </a:extLst>
+        </p:cNvPr>
         <p:cNvGrpSpPr/>
         <p:nvPr/>
       </p:nvGrpSpPr>
@@ -25473,7 +25769,7 @@
           <p:cNvPr id="2" name="Title 1">
             <a:extLst>
               <a:ext uri="{FF2B5EF4-FFF2-40B4-BE49-F238E27FC236}">
-                <a16:creationId xmlns:a16="http://schemas.microsoft.com/office/drawing/2014/main" id="{F5D5BE93-0252-3CC3-B567-14EC47EB8C7F}"/>
+                <a16:creationId xmlns:a16="http://schemas.microsoft.com/office/drawing/2014/main" id="{0AF5853D-8025-CA2F-66B6-FB8E4F4E8B05}"/>
               </a:ext>
             </a:extLst>
           </p:cNvPr>
@@ -25486,8 +25782,8 @@
         </p:nvSpPr>
         <p:spPr>
           <a:xfrm>
-            <a:off x="550863" y="483924"/>
-            <a:ext cx="11090275" cy="983416"/>
+            <a:off x="579437" y="498474"/>
+            <a:ext cx="7931846" cy="1031117"/>
           </a:xfrm>
         </p:spPr>
         <p:txBody>
@@ -25496,9 +25792,10 @@
           </a:bodyPr>
           <a:lstStyle/>
           <a:p>
+            <a:pPr algn="ctr"/>
             <a:r>
               <a:rPr lang="en-US"/>
-              <a:t>Project flow</a:t>
+              <a:t>Why is this valuable</a:t>
             </a:r>
           </a:p>
         </p:txBody>
@@ -25508,7 +25805,7 @@
           <p:cNvPr id="3" name="Content Placeholder 2">
             <a:extLst>
               <a:ext uri="{FF2B5EF4-FFF2-40B4-BE49-F238E27FC236}">
-                <a16:creationId xmlns:a16="http://schemas.microsoft.com/office/drawing/2014/main" id="{1ABCA07C-1908-B1EB-82FA-EC63DAAF4CF4}"/>
+                <a16:creationId xmlns:a16="http://schemas.microsoft.com/office/drawing/2014/main" id="{561DE69C-AFAD-D2C5-2835-54DB2BF79A6D}"/>
               </a:ext>
             </a:extLst>
           </p:cNvPr>
@@ -25516,160 +25813,40 @@
             <a:spLocks noGrp="1"/>
           </p:cNvSpPr>
           <p:nvPr>
-            <p:ph sz="quarter" idx="13"/>
+            <p:ph idx="1"/>
           </p:nvPr>
         </p:nvSpPr>
         <p:spPr>
           <a:xfrm>
-            <a:off x="550863" y="1574554"/>
-            <a:ext cx="11090274" cy="4988893"/>
+            <a:off x="581343" y="1702989"/>
+            <a:ext cx="7929940" cy="4379675"/>
           </a:xfrm>
         </p:spPr>
         <p:txBody>
           <a:bodyPr vert="horz" wrap="square" lIns="0" tIns="0" rIns="0" bIns="0" rtlCol="0" anchor="t">
-            <a:normAutofit fontScale="77500" lnSpcReduction="20000"/>
+            <a:normAutofit/>
           </a:bodyPr>
           <a:lstStyle/>
           <a:p>
-            <a:pPr marL="342900" indent="-342900">
-              <a:buAutoNum type="arabicPeriod"/>
-            </a:pPr>
             <a:r>
-              <a:rPr lang="en-US" dirty="0"/>
-              <a:t>Loading data</a:t>
+              <a:rPr lang="en-US"/>
+              <a:t>This product is valuable in a variety of cybersecurity scenarios. It can be used by companies who wish to monitor their own machines, or those of clients, for malicious activity. In addition to being able to identify malicious activity, users will be able to determine which types of attacks are </a:t>
             </a:r>
-          </a:p>
-          <a:p>
-            <a:pPr marL="342900" indent="-342900">
-              <a:buAutoNum type="arabicPeriod"/>
-            </a:pPr>
             <a:r>
-              <a:rPr lang="en-US" dirty="0"/>
-              <a:t>Data Visualization</a:t>
+              <a:rPr lang="en-US" err="1"/>
+              <a:t>occuring</a:t>
             </a:r>
-          </a:p>
-          <a:p>
-            <a:pPr marL="1028700" lvl="1" indent="-342900">
-              <a:buFont typeface="Courier New" panose="020B0604020202020204" pitchFamily="34" charset="0"/>
-              <a:buChar char="o"/>
-            </a:pPr>
             <a:r>
-              <a:rPr lang="en-US" sz="1300" dirty="0"/>
-              <a:t>Data shape</a:t>
+              <a:rPr lang="en-US"/>
+              <a:t> in order to implement countermeasures tailored to those attacks.</a:t>
             </a:r>
-            <a:endParaRPr lang="en-US" dirty="0"/>
-          </a:p>
-          <a:p>
-            <a:pPr marL="1028700" lvl="1" indent="-342900">
-              <a:buFont typeface="Courier New" panose="020B0604020202020204" pitchFamily="34" charset="0"/>
-              <a:buChar char="o"/>
-            </a:pPr>
-            <a:r>
-              <a:rPr lang="en-US" dirty="0"/>
-              <a:t>Data type</a:t>
-            </a:r>
-          </a:p>
-          <a:p>
-            <a:pPr marL="342900" indent="-342900">
-              <a:buAutoNum type="arabicPeriod"/>
-            </a:pPr>
-            <a:r>
-              <a:rPr lang="en-US" dirty="0"/>
-              <a:t>Data Cleaning</a:t>
-            </a:r>
-          </a:p>
-          <a:p>
-            <a:pPr marL="1028700" lvl="1" indent="-342900">
-              <a:buFont typeface="Courier New"/>
-              <a:buChar char="o"/>
-            </a:pPr>
-            <a:r>
-              <a:rPr lang="en-US" dirty="0"/>
-              <a:t>Null values</a:t>
-            </a:r>
-          </a:p>
-          <a:p>
-            <a:pPr marL="1028700" lvl="1" indent="-342900">
-              <a:buFont typeface="Courier New"/>
-              <a:buChar char="o"/>
-            </a:pPr>
-            <a:r>
-              <a:rPr lang="en-US" dirty="0"/>
-              <a:t>Duplicates</a:t>
-            </a:r>
-          </a:p>
-          <a:p>
-            <a:pPr marL="342900" indent="-342900">
-              <a:buAutoNum type="arabicPeriod"/>
-            </a:pPr>
-            <a:r>
-              <a:rPr lang="en-US" dirty="0"/>
-              <a:t>Threat distribution</a:t>
-            </a:r>
-          </a:p>
-          <a:p>
-            <a:pPr marL="342900" indent="-342900">
-              <a:buAutoNum type="arabicPeriod"/>
-            </a:pPr>
-            <a:r>
-              <a:rPr lang="en-US" dirty="0"/>
-              <a:t>Data splitting</a:t>
-            </a:r>
-          </a:p>
-          <a:p>
-            <a:pPr marL="342900" indent="-342900">
-              <a:buAutoNum type="arabicPeriod"/>
-            </a:pPr>
-            <a:r>
-              <a:rPr lang="en-US" dirty="0"/>
-              <a:t>Model training</a:t>
-            </a:r>
-          </a:p>
-          <a:p>
-            <a:pPr marL="342900" indent="-342900">
-              <a:buAutoNum type="arabicPeriod"/>
-            </a:pPr>
-            <a:r>
-              <a:rPr lang="en-US" dirty="0"/>
-              <a:t>Model evaluation</a:t>
-            </a:r>
-          </a:p>
-          <a:p>
-            <a:pPr marL="342900" indent="-342900">
-              <a:buAutoNum type="arabicPeriod"/>
-            </a:pPr>
-            <a:r>
-              <a:rPr lang="en-US" dirty="0"/>
-              <a:t>Model comparison</a:t>
-            </a:r>
-          </a:p>
-          <a:p>
-            <a:pPr marL="342900" indent="-342900">
-              <a:buAutoNum type="arabicPeriod"/>
-            </a:pPr>
-            <a:r>
-              <a:rPr lang="en-US" dirty="0"/>
-              <a:t>Model Optimization</a:t>
-            </a:r>
-          </a:p>
-          <a:p>
-            <a:pPr marL="342900" indent="-342900">
-              <a:buAutoNum type="arabicPeriod"/>
-            </a:pPr>
-            <a:endParaRPr lang="en-US"/>
-          </a:p>
-          <a:p>
-            <a:pPr marL="342900" indent="-342900">
-              <a:buAutoNum type="arabicPeriod"/>
-            </a:pPr>
-            <a:endParaRPr lang="en-US"/>
           </a:p>
         </p:txBody>
       </p:sp>
     </p:spTree>
     <p:extLst>
       <p:ext uri="{BB962C8B-B14F-4D97-AF65-F5344CB8AC3E}">
-        <p14:creationId xmlns:p14="http://schemas.microsoft.com/office/powerpoint/2010/main" val="2665045518"/>
+        <p14:creationId xmlns:p14="http://schemas.microsoft.com/office/powerpoint/2010/main" val="3235739081"/>
       </p:ext>
     </p:extLst>
   </p:cSld>
@@ -25701,6 +25878,234 @@
           <p:cNvPr id="2" name="Title 1">
             <a:extLst>
               <a:ext uri="{FF2B5EF4-FFF2-40B4-BE49-F238E27FC236}">
+                <a16:creationId xmlns:a16="http://schemas.microsoft.com/office/drawing/2014/main" id="{F5D5BE93-0252-3CC3-B567-14EC47EB8C7F}"/>
+              </a:ext>
+            </a:extLst>
+          </p:cNvPr>
+          <p:cNvSpPr>
+            <a:spLocks noGrp="1"/>
+          </p:cNvSpPr>
+          <p:nvPr>
+            <p:ph type="title"/>
+          </p:nvPr>
+        </p:nvSpPr>
+        <p:spPr>
+          <a:xfrm>
+            <a:off x="550863" y="483924"/>
+            <a:ext cx="11090275" cy="983416"/>
+          </a:xfrm>
+        </p:spPr>
+        <p:txBody>
+          <a:bodyPr vert="horz" wrap="square" lIns="0" tIns="0" rIns="0" bIns="0" rtlCol="0" anchor="ctr" anchorCtr="0">
+            <a:normAutofit/>
+          </a:bodyPr>
+          <a:lstStyle/>
+          <a:p>
+            <a:r>
+              <a:rPr lang="en-US"/>
+              <a:t>Project flow</a:t>
+            </a:r>
+          </a:p>
+        </p:txBody>
+      </p:sp>
+      <p:sp>
+        <p:nvSpPr>
+          <p:cNvPr id="3" name="Content Placeholder 2">
+            <a:extLst>
+              <a:ext uri="{FF2B5EF4-FFF2-40B4-BE49-F238E27FC236}">
+                <a16:creationId xmlns:a16="http://schemas.microsoft.com/office/drawing/2014/main" id="{1ABCA07C-1908-B1EB-82FA-EC63DAAF4CF4}"/>
+              </a:ext>
+            </a:extLst>
+          </p:cNvPr>
+          <p:cNvSpPr>
+            <a:spLocks noGrp="1"/>
+          </p:cNvSpPr>
+          <p:nvPr>
+            <p:ph sz="quarter" idx="13"/>
+          </p:nvPr>
+        </p:nvSpPr>
+        <p:spPr>
+          <a:xfrm>
+            <a:off x="550863" y="1574554"/>
+            <a:ext cx="11090274" cy="4988893"/>
+          </a:xfrm>
+        </p:spPr>
+        <p:txBody>
+          <a:bodyPr vert="horz" wrap="square" lIns="0" tIns="0" rIns="0" bIns="0" rtlCol="0" anchor="t">
+            <a:normAutofit fontScale="77500" lnSpcReduction="20000"/>
+          </a:bodyPr>
+          <a:lstStyle/>
+          <a:p>
+            <a:pPr marL="342900" indent="-342900">
+              <a:buAutoNum type="arabicPeriod"/>
+            </a:pPr>
+            <a:r>
+              <a:rPr lang="en-US" dirty="0"/>
+              <a:t>Loading data</a:t>
+            </a:r>
+          </a:p>
+          <a:p>
+            <a:pPr marL="342900" indent="-342900">
+              <a:buAutoNum type="arabicPeriod"/>
+            </a:pPr>
+            <a:r>
+              <a:rPr lang="en-US" dirty="0"/>
+              <a:t>Data Visualization</a:t>
+            </a:r>
+          </a:p>
+          <a:p>
+            <a:pPr marL="1028700" lvl="1" indent="-342900">
+              <a:buFont typeface="Courier New" panose="020B0604020202020204" pitchFamily="34" charset="0"/>
+              <a:buChar char="o"/>
+            </a:pPr>
+            <a:r>
+              <a:rPr lang="en-US" sz="1300" dirty="0"/>
+              <a:t>Data shape</a:t>
+            </a:r>
+            <a:endParaRPr lang="en-US" dirty="0"/>
+          </a:p>
+          <a:p>
+            <a:pPr marL="1028700" lvl="1" indent="-342900">
+              <a:buFont typeface="Courier New" panose="020B0604020202020204" pitchFamily="34" charset="0"/>
+              <a:buChar char="o"/>
+            </a:pPr>
+            <a:r>
+              <a:rPr lang="en-US" dirty="0"/>
+              <a:t>Data type</a:t>
+            </a:r>
+          </a:p>
+          <a:p>
+            <a:pPr marL="342900" indent="-342900">
+              <a:buAutoNum type="arabicPeriod"/>
+            </a:pPr>
+            <a:r>
+              <a:rPr lang="en-US" dirty="0"/>
+              <a:t>Data Cleaning</a:t>
+            </a:r>
+          </a:p>
+          <a:p>
+            <a:pPr marL="1028700" lvl="1" indent="-342900">
+              <a:buFont typeface="Courier New"/>
+              <a:buChar char="o"/>
+            </a:pPr>
+            <a:r>
+              <a:rPr lang="en-US" dirty="0"/>
+              <a:t>Null values</a:t>
+            </a:r>
+          </a:p>
+          <a:p>
+            <a:pPr marL="1028700" lvl="1" indent="-342900">
+              <a:buFont typeface="Courier New"/>
+              <a:buChar char="o"/>
+            </a:pPr>
+            <a:r>
+              <a:rPr lang="en-US" dirty="0"/>
+              <a:t>Duplicates</a:t>
+            </a:r>
+          </a:p>
+          <a:p>
+            <a:pPr marL="342900" indent="-342900">
+              <a:buAutoNum type="arabicPeriod"/>
+            </a:pPr>
+            <a:r>
+              <a:rPr lang="en-US" dirty="0"/>
+              <a:t>Threat distribution</a:t>
+            </a:r>
+          </a:p>
+          <a:p>
+            <a:pPr marL="342900" indent="-342900">
+              <a:buAutoNum type="arabicPeriod"/>
+            </a:pPr>
+            <a:r>
+              <a:rPr lang="en-US" dirty="0"/>
+              <a:t>Data splitting</a:t>
+            </a:r>
+          </a:p>
+          <a:p>
+            <a:pPr marL="342900" indent="-342900">
+              <a:buAutoNum type="arabicPeriod"/>
+            </a:pPr>
+            <a:r>
+              <a:rPr lang="en-US" dirty="0"/>
+              <a:t>Model training</a:t>
+            </a:r>
+          </a:p>
+          <a:p>
+            <a:pPr marL="342900" indent="-342900">
+              <a:buAutoNum type="arabicPeriod"/>
+            </a:pPr>
+            <a:r>
+              <a:rPr lang="en-US" dirty="0"/>
+              <a:t>Model evaluation</a:t>
+            </a:r>
+          </a:p>
+          <a:p>
+            <a:pPr marL="342900" indent="-342900">
+              <a:buAutoNum type="arabicPeriod"/>
+            </a:pPr>
+            <a:r>
+              <a:rPr lang="en-US" dirty="0"/>
+              <a:t>Model comparison</a:t>
+            </a:r>
+          </a:p>
+          <a:p>
+            <a:pPr marL="342900" indent="-342900">
+              <a:buAutoNum type="arabicPeriod"/>
+            </a:pPr>
+            <a:r>
+              <a:rPr lang="en-US" dirty="0"/>
+              <a:t>Model Optimization</a:t>
+            </a:r>
+          </a:p>
+          <a:p>
+            <a:pPr marL="342900" indent="-342900">
+              <a:buAutoNum type="arabicPeriod"/>
+            </a:pPr>
+            <a:endParaRPr lang="en-US"/>
+          </a:p>
+          <a:p>
+            <a:pPr marL="342900" indent="-342900">
+              <a:buAutoNum type="arabicPeriod"/>
+            </a:pPr>
+            <a:endParaRPr lang="en-US"/>
+          </a:p>
+        </p:txBody>
+      </p:sp>
+    </p:spTree>
+    <p:extLst>
+      <p:ext uri="{BB962C8B-B14F-4D97-AF65-F5344CB8AC3E}">
+        <p14:creationId xmlns:p14="http://schemas.microsoft.com/office/powerpoint/2010/main" val="2665045518"/>
+      </p:ext>
+    </p:extLst>
+  </p:cSld>
+  <p:clrMapOvr>
+    <a:masterClrMapping/>
+  </p:clrMapOvr>
+</p:sld>
+</file>
+
+<file path=ppt/slides/slide6.xml><?xml version="1.0" encoding="utf-8"?>
+<p:sld xmlns:a="http://schemas.openxmlformats.org/drawingml/2006/main" xmlns:r="http://schemas.openxmlformats.org/officeDocument/2006/relationships" xmlns:p="http://schemas.openxmlformats.org/presentationml/2006/main">
+  <p:cSld>
+    <p:spTree>
+      <p:nvGrpSpPr>
+        <p:cNvPr id="1" name=""/>
+        <p:cNvGrpSpPr/>
+        <p:nvPr/>
+      </p:nvGrpSpPr>
+      <p:grpSpPr>
+        <a:xfrm>
+          <a:off x="0" y="0"/>
+          <a:ext cx="0" cy="0"/>
+          <a:chOff x="0" y="0"/>
+          <a:chExt cx="0" cy="0"/>
+        </a:xfrm>
+      </p:grpSpPr>
+      <p:sp>
+        <p:nvSpPr>
+          <p:cNvPr id="2" name="Title 1">
+            <a:extLst>
+              <a:ext uri="{FF2B5EF4-FFF2-40B4-BE49-F238E27FC236}">
                 <a16:creationId xmlns:a16="http://schemas.microsoft.com/office/drawing/2014/main" id="{954ABE40-AA00-F366-A36A-B3F1AADBF025}"/>
               </a:ext>
             </a:extLst>
@@ -25779,7 +26184,7 @@
 </p:sld>
 </file>
 
-<file path=ppt/slides/slide6.xml><?xml version="1.0" encoding="utf-8"?>
+<file path=ppt/slides/slide7.xml><?xml version="1.0" encoding="utf-8"?>
 <p:sld xmlns:a="http://schemas.openxmlformats.org/drawingml/2006/main" xmlns:r="http://schemas.openxmlformats.org/officeDocument/2006/relationships" xmlns:p="http://schemas.openxmlformats.org/presentationml/2006/main">
   <p:cSld>
     <p:spTree>
@@ -25907,7 +26312,7 @@
 </p:sld>
 </file>
 
-<file path=ppt/slides/slide7.xml><?xml version="1.0" encoding="utf-8"?>
+<file path=ppt/slides/slide8.xml><?xml version="1.0" encoding="utf-8"?>
 <p:sld xmlns:a="http://schemas.openxmlformats.org/drawingml/2006/main" xmlns:r="http://schemas.openxmlformats.org/officeDocument/2006/relationships" xmlns:p="http://schemas.openxmlformats.org/presentationml/2006/main">
   <p:cSld>
     <p:spTree>
@@ -26013,7 +26418,7 @@
 </p:sld>
 </file>
 
-<file path=ppt/slides/slide8.xml><?xml version="1.0" encoding="utf-8"?>
+<file path=ppt/slides/slide9.xml><?xml version="1.0" encoding="utf-8"?>
 <p:sld xmlns:a="http://schemas.openxmlformats.org/drawingml/2006/main" xmlns:r="http://schemas.openxmlformats.org/officeDocument/2006/relationships" xmlns:p="http://schemas.openxmlformats.org/presentationml/2006/main">
   <p:cSld>
     <p:spTree>
@@ -26171,112 +26576,6 @@
     <p:extLst>
       <p:ext uri="{BB962C8B-B14F-4D97-AF65-F5344CB8AC3E}">
         <p14:creationId xmlns:p14="http://schemas.microsoft.com/office/powerpoint/2010/main" val="752541274"/>
-      </p:ext>
-    </p:extLst>
-  </p:cSld>
-  <p:clrMapOvr>
-    <a:masterClrMapping/>
-  </p:clrMapOvr>
-</p:sld>
-</file>
-
-<file path=ppt/slides/slide9.xml><?xml version="1.0" encoding="utf-8"?>
-<p:sld xmlns:a="http://schemas.openxmlformats.org/drawingml/2006/main" xmlns:r="http://schemas.openxmlformats.org/officeDocument/2006/relationships" xmlns:p="http://schemas.openxmlformats.org/presentationml/2006/main">
-  <p:cSld>
-    <p:spTree>
-      <p:nvGrpSpPr>
-        <p:cNvPr id="1" name="">
-          <a:extLst>
-            <a:ext uri="{FF2B5EF4-FFF2-40B4-BE49-F238E27FC236}">
-              <a16:creationId xmlns:a16="http://schemas.microsoft.com/office/drawing/2014/main" id="{B6FBF3B5-37F9-36E7-AFF6-DE700DCF883B}"/>
-            </a:ext>
-          </a:extLst>
-        </p:cNvPr>
-        <p:cNvGrpSpPr/>
-        <p:nvPr/>
-      </p:nvGrpSpPr>
-      <p:grpSpPr>
-        <a:xfrm>
-          <a:off x="0" y="0"/>
-          <a:ext cx="0" cy="0"/>
-          <a:chOff x="0" y="0"/>
-          <a:chExt cx="0" cy="0"/>
-        </a:xfrm>
-      </p:grpSpPr>
-      <p:sp>
-        <p:nvSpPr>
-          <p:cNvPr id="2" name="Title 1">
-            <a:extLst>
-              <a:ext uri="{FF2B5EF4-FFF2-40B4-BE49-F238E27FC236}">
-                <a16:creationId xmlns:a16="http://schemas.microsoft.com/office/drawing/2014/main" id="{111DD140-DBC7-EFAF-8DFE-450631688B97}"/>
-              </a:ext>
-            </a:extLst>
-          </p:cNvPr>
-          <p:cNvSpPr>
-            <a:spLocks noGrp="1"/>
-          </p:cNvSpPr>
-          <p:nvPr>
-            <p:ph type="ctrTitle"/>
-          </p:nvPr>
-        </p:nvSpPr>
-        <p:spPr>
-          <a:xfrm>
-            <a:off x="550863" y="1444813"/>
-            <a:ext cx="4159160" cy="3155900"/>
-          </a:xfrm>
-          <a:noFill/>
-        </p:spPr>
-        <p:txBody>
-          <a:bodyPr vert="horz" wrap="square" lIns="91440" tIns="0" rIns="0" bIns="0" rtlCol="0" anchor="ctr" anchorCtr="0">
-            <a:noAutofit/>
-          </a:bodyPr>
-          <a:lstStyle/>
-          <a:p>
-            <a:pPr algn="ctr"/>
-            <a:r>
-              <a:rPr lang="en-US"/>
-              <a:t>Data Cleaning</a:t>
-            </a:r>
-          </a:p>
-        </p:txBody>
-      </p:sp>
-      <p:pic>
-        <p:nvPicPr>
-          <p:cNvPr id="7" name="Picture Placeholder 17" descr="A person drawing on a white board">
-            <a:extLst>
-              <a:ext uri="{FF2B5EF4-FFF2-40B4-BE49-F238E27FC236}">
-                <a16:creationId xmlns:a16="http://schemas.microsoft.com/office/drawing/2014/main" id="{3B367238-969D-EBC6-ACF4-3B4379C35C13}"/>
-              </a:ext>
-            </a:extLst>
-          </p:cNvPr>
-          <p:cNvPicPr>
-            <a:picLocks noGrp="1" noChangeAspect="1"/>
-          </p:cNvPicPr>
-          <p:nvPr>
-            <p:ph type="pic" sz="quarter" idx="13"/>
-          </p:nvPr>
-        </p:nvPicPr>
-        <p:blipFill rotWithShape="1">
-          <a:blip r:embed="rId3" cstate="screen">
-            <a:extLst>
-              <a:ext uri="{28A0092B-C50C-407E-A947-70E740481C1C}">
-                <a14:useLocalDpi xmlns:a14="http://schemas.microsoft.com/office/drawing/2010/main" val="0"/>
-              </a:ext>
-            </a:extLst>
-          </a:blip>
-          <a:srcRect/>
-          <a:stretch/>
-        </p:blipFill>
-        <p:spPr>
-          <a:solidFill>
-            <a:schemeClr val="accent5"/>
-          </a:solidFill>
-        </p:spPr>
-      </p:pic>
-    </p:spTree>
-    <p:extLst>
-      <p:ext uri="{BB962C8B-B14F-4D97-AF65-F5344CB8AC3E}">
-        <p14:creationId xmlns:p14="http://schemas.microsoft.com/office/powerpoint/2010/main" val="1781102573"/>
       </p:ext>
     </p:extLst>
   </p:cSld>

--- a/AI-Project.pptx
+++ b/AI-Project.pptx
@@ -164,6 +164,7 @@
 <file path=ppt/revisionInfo.xml><?xml version="1.0" encoding="utf-8"?>
 <p1510:revInfo xmlns:a="http://schemas.openxmlformats.org/drawingml/2006/main" xmlns:r="http://schemas.openxmlformats.org/officeDocument/2006/relationships" xmlns:p1510="http://schemas.microsoft.com/office/powerpoint/2015/10/main">
   <p1510:revLst>
+    <p1510:client id="{0C661639-1EDE-1AFA-AF9B-3B6F681FFD2C}" v="43" dt="2025-03-31T13:59:12.747"/>
     <p1510:client id="{8326F126-0575-6D90-1CC0-641A17154F33}" v="220" dt="2025-03-30T14:32:02.653"/>
   </p1510:revLst>
 </p1510:revInfo>
@@ -481,6 +482,38 @@
             <pc:docMk/>
             <pc:sldMk cId="3534667557" sldId="317"/>
             <ac:spMk id="2" creationId="{CAE3409F-CF9F-B273-7D9E-198D86159E82}"/>
+          </ac:spMkLst>
+        </pc:spChg>
+      </pc:sldChg>
+    </pc:docChg>
+  </pc:docChgLst>
+  <pc:docChgLst>
+    <pc:chgData name="NABRAJ GYAWALI" userId="S::luc14122714892022@kfaltd.com::56f3798b-8e18-4e1d-b42f-efdbc4067fc7" providerId="AD" clId="Web-{0C661639-1EDE-1AFA-AF9B-3B6F681FFD2C}"/>
+    <pc:docChg chg="modSld">
+      <pc:chgData name="NABRAJ GYAWALI" userId="S::luc14122714892022@kfaltd.com::56f3798b-8e18-4e1d-b42f-efdbc4067fc7" providerId="AD" clId="Web-{0C661639-1EDE-1AFA-AF9B-3B6F681FFD2C}" dt="2025-03-31T13:59:12.747" v="40" actId="20577"/>
+      <pc:docMkLst>
+        <pc:docMk/>
+      </pc:docMkLst>
+      <pc:sldChg chg="modSp">
+        <pc:chgData name="NABRAJ GYAWALI" userId="S::luc14122714892022@kfaltd.com::56f3798b-8e18-4e1d-b42f-efdbc4067fc7" providerId="AD" clId="Web-{0C661639-1EDE-1AFA-AF9B-3B6F681FFD2C}" dt="2025-03-31T13:59:12.747" v="40" actId="20577"/>
+        <pc:sldMkLst>
+          <pc:docMk/>
+          <pc:sldMk cId="1733219521" sldId="331"/>
+        </pc:sldMkLst>
+        <pc:spChg chg="mod">
+          <ac:chgData name="NABRAJ GYAWALI" userId="S::luc14122714892022@kfaltd.com::56f3798b-8e18-4e1d-b42f-efdbc4067fc7" providerId="AD" clId="Web-{0C661639-1EDE-1AFA-AF9B-3B6F681FFD2C}" dt="2025-03-31T13:56:06.913" v="9" actId="14100"/>
+          <ac:spMkLst>
+            <pc:docMk/>
+            <pc:sldMk cId="1733219521" sldId="331"/>
+            <ac:spMk id="2" creationId="{4B881862-D596-2F71-A2F9-9407772B935E}"/>
+          </ac:spMkLst>
+        </pc:spChg>
+        <pc:spChg chg="mod">
+          <ac:chgData name="NABRAJ GYAWALI" userId="S::luc14122714892022@kfaltd.com::56f3798b-8e18-4e1d-b42f-efdbc4067fc7" providerId="AD" clId="Web-{0C661639-1EDE-1AFA-AF9B-3B6F681FFD2C}" dt="2025-03-31T13:59:12.747" v="40" actId="20577"/>
+          <ac:spMkLst>
+            <pc:docMk/>
+            <pc:sldMk cId="1733219521" sldId="331"/>
+            <ac:spMk id="3" creationId="{9B591C4E-C68D-18B0-A1E2-78FA85233661}"/>
           </ac:spMkLst>
         </pc:spChg>
       </pc:sldChg>
@@ -1635,7 +1668,7 @@
           <a:p>
             <a:fld id="{717BC71B-6527-4638-937B-C93EB849CB02}" type="datetimeFigureOut">
               <a:rPr lang="en-US" smtClean="0"/>
-              <a:t>3/30/2025</a:t>
+              <a:t>3/31/2025</a:t>
             </a:fld>
             <a:endParaRPr lang="en-US"/>
           </a:p>
@@ -1812,7 +1845,7 @@
           <a:p>
             <a:fld id="{425465A2-8C9C-419F-9FD8-234480873777}" type="datetimeFigureOut">
               <a:rPr lang="en-US" smtClean="0"/>
-              <a:t>3/30/2025</a:t>
+              <a:t>3/31/2025</a:t>
             </a:fld>
             <a:endParaRPr lang="en-US"/>
           </a:p>
@@ -25564,8 +25597,8 @@
         </p:nvSpPr>
         <p:spPr>
           <a:xfrm>
-            <a:off x="583519" y="498474"/>
-            <a:ext cx="7938649" cy="1014789"/>
+            <a:off x="583519" y="235067"/>
+            <a:ext cx="7929242" cy="1033604"/>
           </a:xfrm>
         </p:spPr>
         <p:txBody>
@@ -25603,32 +25636,119 @@
         </p:nvSpPr>
         <p:spPr>
           <a:xfrm>
-            <a:off x="581343" y="1711154"/>
-            <a:ext cx="7929940" cy="4371510"/>
+            <a:off x="581343" y="1269006"/>
+            <a:ext cx="8870680" cy="5208769"/>
           </a:xfrm>
         </p:spPr>
         <p:txBody>
           <a:bodyPr vert="horz" wrap="square" lIns="0" tIns="0" rIns="0" bIns="0" rtlCol="0" anchor="t">
-            <a:normAutofit/>
+            <a:normAutofit lnSpcReduction="10000"/>
           </a:bodyPr>
           <a:lstStyle/>
           <a:p>
             <a:r>
-              <a:rPr lang="en-US"/>
-              <a:t>The dataset has taken from The Canadian Institute for Cybersecurity (CIC) generate the dataset in collaboration with The Communications Security Establishment (CSE) of network events, some benign and other malicious. </a:t>
+              <a:rPr lang="en-US" dirty="0"/>
+              <a:t>The dataset has taken from </a:t>
             </a:r>
-          </a:p>
-          <a:p>
             <a:r>
-              <a:rPr lang="en-US"/>
+              <a:rPr lang="en-US" b="1" dirty="0">
+                <a:solidFill>
+                  <a:srgbClr val="FF0000"/>
+                </a:solidFill>
+              </a:rPr>
+              <a:t>The Canadian Institute for Cybersecurity</a:t>
+            </a:r>
+            <a:r>
+              <a:rPr lang="en-US" dirty="0"/>
+              <a:t> (CIC) generate the dataset in collaboration with </a:t>
+            </a:r>
+            <a:r>
+              <a:rPr lang="en-US" b="1" dirty="0"/>
+              <a:t>The </a:t>
+            </a:r>
+            <a:r>
+              <a:rPr lang="en-US" b="1" dirty="0">
+                <a:solidFill>
+                  <a:srgbClr val="FF0000"/>
+                </a:solidFill>
+              </a:rPr>
+              <a:t>Communications Security Establishment</a:t>
+            </a:r>
+            <a:r>
+              <a:rPr lang="en-US" dirty="0"/>
+              <a:t> (CSE) of network events, some benign and other malicious. </a:t>
+            </a:r>
+          </a:p>
+          <a:p>
+            <a:r>
+              <a:rPr lang="en-US" dirty="0"/>
               <a:t>By using CICFlowMeter-V3, around 80 network traffic features were extracted from each attack.</a:t>
             </a:r>
           </a:p>
           <a:p>
             <a:r>
-              <a:rPr lang="en-US"/>
+              <a:rPr lang="en-US" dirty="0"/>
               <a:t>The goal of this project is to use this dataset to identify cybersecurity threats and furthermore to classify threat with as much accuracy as possible using machine learning</a:t>
             </a:r>
+          </a:p>
+          <a:p>
+            <a:pPr marL="0" indent="0">
+              <a:buNone/>
+            </a:pPr>
+            <a:r>
+              <a:rPr lang="en-US" dirty="0">
+                <a:ea typeface="+mn-lt"/>
+                <a:cs typeface="+mn-lt"/>
+                <a:hlinkClick r:id="rId3"/>
+              </a:rPr>
+              <a:t>https://github.com/AsimGull/Data-Science-Projects/blob/main/Machine%20learning/Natural%20language%20processing/DDoS%20Attack%20Classification/data/DDos.csv</a:t>
+            </a:r>
+            <a:endParaRPr lang="en-US" dirty="0">
+              <a:ea typeface="+mn-lt"/>
+              <a:cs typeface="+mn-lt"/>
+            </a:endParaRPr>
+          </a:p>
+          <a:p>
+            <a:pPr marL="0" indent="0">
+              <a:buNone/>
+            </a:pPr>
+            <a:endParaRPr lang="en-US" b="1" u="sng" dirty="0"/>
+          </a:p>
+          <a:p>
+            <a:pPr marL="0" indent="0">
+              <a:buNone/>
+            </a:pPr>
+            <a:r>
+              <a:rPr lang="en-US" b="1" u="sng" dirty="0"/>
+              <a:t>Original dataset</a:t>
+            </a:r>
+            <a:endParaRPr lang="en-US" dirty="0"/>
+          </a:p>
+          <a:p>
+            <a:pPr marL="0" indent="0">
+              <a:buNone/>
+            </a:pPr>
+            <a:r>
+              <a:rPr lang="en-US" dirty="0">
+                <a:ea typeface="+mn-lt"/>
+                <a:cs typeface="+mn-lt"/>
+                <a:hlinkClick r:id="rId4"/>
+              </a:rPr>
+              <a:t>https://www.unb.ca/cic/datasets/index.html</a:t>
+            </a:r>
+            <a:endParaRPr lang="en-US"/>
+          </a:p>
+          <a:p>
+            <a:pPr marL="0" indent="0">
+              <a:buNone/>
+            </a:pPr>
+            <a:endParaRPr lang="en-US" dirty="0"/>
+          </a:p>
+          <a:p>
+            <a:pPr marL="0" indent="0">
+              <a:buNone/>
+            </a:pPr>
+            <a:endParaRPr lang="en-US" dirty="0"/>
           </a:p>
         </p:txBody>
       </p:sp>
